--- a/Java.pptx
+++ b/Java.pptx
@@ -21,15 +21,43 @@
     <p:sldId id="268" r:id="rId15"/>
     <p:sldId id="269" r:id="rId16"/>
     <p:sldId id="270" r:id="rId17"/>
-    <p:sldId id="271" r:id="rId18"/>
-    <p:sldId id="272" r:id="rId19"/>
-    <p:sldId id="273" r:id="rId20"/>
-    <p:sldId id="274" r:id="rId21"/>
-    <p:sldId id="275" r:id="rId22"/>
-    <p:sldId id="276" r:id="rId23"/>
-    <p:sldId id="277" r:id="rId24"/>
-    <p:sldId id="278" r:id="rId25"/>
-    <p:sldId id="279" r:id="rId26"/>
+    <p:sldId id="272" r:id="rId18"/>
+    <p:sldId id="273" r:id="rId19"/>
+    <p:sldId id="274" r:id="rId20"/>
+    <p:sldId id="281" r:id="rId21"/>
+    <p:sldId id="282" r:id="rId22"/>
+    <p:sldId id="283" r:id="rId23"/>
+    <p:sldId id="284" r:id="rId24"/>
+    <p:sldId id="285" r:id="rId25"/>
+    <p:sldId id="286" r:id="rId26"/>
+    <p:sldId id="287" r:id="rId27"/>
+    <p:sldId id="288" r:id="rId28"/>
+    <p:sldId id="289" r:id="rId29"/>
+    <p:sldId id="290" r:id="rId30"/>
+    <p:sldId id="291" r:id="rId31"/>
+    <p:sldId id="292" r:id="rId32"/>
+    <p:sldId id="275" r:id="rId33"/>
+    <p:sldId id="276" r:id="rId34"/>
+    <p:sldId id="277" r:id="rId35"/>
+    <p:sldId id="278" r:id="rId36"/>
+    <p:sldId id="279" r:id="rId37"/>
+    <p:sldId id="294" r:id="rId38"/>
+    <p:sldId id="293" r:id="rId39"/>
+    <p:sldId id="295" r:id="rId40"/>
+    <p:sldId id="296" r:id="rId41"/>
+    <p:sldId id="297" r:id="rId42"/>
+    <p:sldId id="298" r:id="rId43"/>
+    <p:sldId id="299" r:id="rId44"/>
+    <p:sldId id="300" r:id="rId45"/>
+    <p:sldId id="301" r:id="rId46"/>
+    <p:sldId id="302" r:id="rId47"/>
+    <p:sldId id="303" r:id="rId48"/>
+    <p:sldId id="304" r:id="rId49"/>
+    <p:sldId id="305" r:id="rId50"/>
+    <p:sldId id="306" r:id="rId51"/>
+    <p:sldId id="307" r:id="rId52"/>
+    <p:sldId id="308" r:id="rId53"/>
+    <p:sldId id="309" r:id="rId54"/>
   </p:sldIdLst>
   <p:sldSz cx="12192000" cy="6858000"/>
   <p:notesSz cx="6858000" cy="9144000"/>
@@ -267,7 +295,7 @@
           <a:p>
             <a:fld id="{30020F4E-0803-4662-BB37-2E7A6FF4F9F4}" type="datetimeFigureOut">
               <a:rPr lang="en-US" smtClean="0"/>
-              <a:t>9/16/2022</a:t>
+              <a:t>9/17/2022</a:t>
             </a:fld>
             <a:endParaRPr lang="en-US"/>
           </a:p>
@@ -437,7 +465,7 @@
           <a:p>
             <a:fld id="{30020F4E-0803-4662-BB37-2E7A6FF4F9F4}" type="datetimeFigureOut">
               <a:rPr lang="en-US" smtClean="0"/>
-              <a:t>9/16/2022</a:t>
+              <a:t>9/17/2022</a:t>
             </a:fld>
             <a:endParaRPr lang="en-US"/>
           </a:p>
@@ -617,7 +645,7 @@
           <a:p>
             <a:fld id="{30020F4E-0803-4662-BB37-2E7A6FF4F9F4}" type="datetimeFigureOut">
               <a:rPr lang="en-US" smtClean="0"/>
-              <a:t>9/16/2022</a:t>
+              <a:t>9/17/2022</a:t>
             </a:fld>
             <a:endParaRPr lang="en-US"/>
           </a:p>
@@ -787,7 +815,7 @@
           <a:p>
             <a:fld id="{30020F4E-0803-4662-BB37-2E7A6FF4F9F4}" type="datetimeFigureOut">
               <a:rPr lang="en-US" smtClean="0"/>
-              <a:t>9/16/2022</a:t>
+              <a:t>9/17/2022</a:t>
             </a:fld>
             <a:endParaRPr lang="en-US"/>
           </a:p>
@@ -1033,7 +1061,7 @@
           <a:p>
             <a:fld id="{30020F4E-0803-4662-BB37-2E7A6FF4F9F4}" type="datetimeFigureOut">
               <a:rPr lang="en-US" smtClean="0"/>
-              <a:t>9/16/2022</a:t>
+              <a:t>9/17/2022</a:t>
             </a:fld>
             <a:endParaRPr lang="en-US"/>
           </a:p>
@@ -1265,7 +1293,7 @@
           <a:p>
             <a:fld id="{30020F4E-0803-4662-BB37-2E7A6FF4F9F4}" type="datetimeFigureOut">
               <a:rPr lang="en-US" smtClean="0"/>
-              <a:t>9/16/2022</a:t>
+              <a:t>9/17/2022</a:t>
             </a:fld>
             <a:endParaRPr lang="en-US"/>
           </a:p>
@@ -1632,7 +1660,7 @@
           <a:p>
             <a:fld id="{30020F4E-0803-4662-BB37-2E7A6FF4F9F4}" type="datetimeFigureOut">
               <a:rPr lang="en-US" smtClean="0"/>
-              <a:t>9/16/2022</a:t>
+              <a:t>9/17/2022</a:t>
             </a:fld>
             <a:endParaRPr lang="en-US"/>
           </a:p>
@@ -1750,7 +1778,7 @@
           <a:p>
             <a:fld id="{30020F4E-0803-4662-BB37-2E7A6FF4F9F4}" type="datetimeFigureOut">
               <a:rPr lang="en-US" smtClean="0"/>
-              <a:t>9/16/2022</a:t>
+              <a:t>9/17/2022</a:t>
             </a:fld>
             <a:endParaRPr lang="en-US"/>
           </a:p>
@@ -1845,7 +1873,7 @@
           <a:p>
             <a:fld id="{30020F4E-0803-4662-BB37-2E7A6FF4F9F4}" type="datetimeFigureOut">
               <a:rPr lang="en-US" smtClean="0"/>
-              <a:t>9/16/2022</a:t>
+              <a:t>9/17/2022</a:t>
             </a:fld>
             <a:endParaRPr lang="en-US"/>
           </a:p>
@@ -2122,7 +2150,7 @@
           <a:p>
             <a:fld id="{30020F4E-0803-4662-BB37-2E7A6FF4F9F4}" type="datetimeFigureOut">
               <a:rPr lang="en-US" smtClean="0"/>
-              <a:t>9/16/2022</a:t>
+              <a:t>9/17/2022</a:t>
             </a:fld>
             <a:endParaRPr lang="en-US"/>
           </a:p>
@@ -2375,7 +2403,7 @@
           <a:p>
             <a:fld id="{30020F4E-0803-4662-BB37-2E7A6FF4F9F4}" type="datetimeFigureOut">
               <a:rPr lang="en-US" smtClean="0"/>
-              <a:t>9/16/2022</a:t>
+              <a:t>9/17/2022</a:t>
             </a:fld>
             <a:endParaRPr lang="en-US"/>
           </a:p>
@@ -2588,7 +2616,7 @@
           <a:p>
             <a:fld id="{30020F4E-0803-4662-BB37-2E7A6FF4F9F4}" type="datetimeFigureOut">
               <a:rPr lang="en-US" smtClean="0"/>
-              <a:t>9/16/2022</a:t>
+              <a:t>9/17/2022</a:t>
             </a:fld>
             <a:endParaRPr lang="en-US"/>
           </a:p>
@@ -3066,7 +3094,29 @@
                 <a:ea typeface="+mn-ea"/>
                 <a:cs typeface="+mn-cs"/>
               </a:rPr>
-              <a:t>PG-DAC March 2022</a:t>
+              <a:t>PG-DAC </a:t>
+            </a:r>
+            <a:r>
+              <a:rPr lang="en-US" sz="4400" b="1" dirty="0" smtClean="0">
+                <a:solidFill>
+                  <a:srgbClr val="008080"/>
+                </a:solidFill>
+                <a:latin typeface="Helvetica Neue"/>
+                <a:ea typeface="+mn-ea"/>
+                <a:cs typeface="+mn-cs"/>
+              </a:rPr>
+              <a:t>Sept </a:t>
+            </a:r>
+            <a:r>
+              <a:rPr lang="en-US" sz="4400" b="1" dirty="0">
+                <a:solidFill>
+                  <a:srgbClr val="008080"/>
+                </a:solidFill>
+                <a:latin typeface="Helvetica Neue"/>
+                <a:ea typeface="+mn-ea"/>
+                <a:cs typeface="+mn-cs"/>
+              </a:rPr>
+              <a:t>2022</a:t>
             </a:r>
           </a:p>
         </p:txBody>
@@ -3163,17 +3213,16 @@
           </a:bodyPr>
           <a:lstStyle/>
           <a:p>
-            <a:pPr algn="ctr">
-              <a:lnSpc>
-                <a:spcPct val="150000"/>
-              </a:lnSpc>
-            </a:pPr>
-            <a:r>
-              <a:rPr lang="en-US" b="1" i="0" dirty="0" smtClean="0">
-                <a:solidFill>
-                  <a:srgbClr val="008080"/>
-                </a:solidFill>
-                <a:effectLst/>
+            <a:pPr>
+              <a:lnSpc>
+                <a:spcPct val="150000"/>
+              </a:lnSpc>
+            </a:pPr>
+            <a:r>
+              <a:rPr lang="en-US" b="1" dirty="0">
+                <a:solidFill>
+                  <a:srgbClr val="B1520F"/>
+                </a:solidFill>
                 <a:latin typeface="Helvetica Neue"/>
               </a:rPr>
               <a:t>Java Overview</a:t>
@@ -3597,7 +3646,7 @@
         </p:nvSpPr>
         <p:spPr>
           <a:xfrm>
-            <a:off x="477982" y="2098963"/>
+            <a:off x="415637" y="1724891"/>
             <a:ext cx="10858500" cy="3693319"/>
           </a:xfrm>
           <a:prstGeom prst="rect">
@@ -3841,13 +3890,11 @@
           </a:bodyPr>
           <a:lstStyle/>
           <a:p>
-            <a:pPr algn="ctr"/>
-            <a:r>
-              <a:rPr lang="en-US" b="1" i="0" dirty="0" smtClean="0">
-                <a:solidFill>
-                  <a:srgbClr val="008080"/>
-                </a:solidFill>
-                <a:effectLst/>
+            <a:r>
+              <a:rPr lang="en-US" b="1" dirty="0">
+                <a:solidFill>
+                  <a:srgbClr val="B1520F"/>
+                </a:solidFill>
                 <a:latin typeface="Helvetica Neue"/>
               </a:rPr>
               <a:t>Java Program Structure</a:t>
@@ -4862,8 +4909,8 @@
         </p:nvSpPr>
         <p:spPr>
           <a:xfrm>
-            <a:off x="176646" y="305087"/>
-            <a:ext cx="11866418" cy="5493812"/>
+            <a:off x="176646" y="305086"/>
+            <a:ext cx="11835245" cy="6074931"/>
           </a:xfrm>
           <a:prstGeom prst="rect">
             <a:avLst/>
@@ -4875,21 +4922,42 @@
           </a:bodyPr>
           <a:lstStyle/>
           <a:p>
-            <a:pPr algn="ctr">
-              <a:lnSpc>
-                <a:spcPct val="150000"/>
-              </a:lnSpc>
-            </a:pPr>
-            <a:r>
-              <a:rPr lang="en-US" b="1" i="0" dirty="0" smtClean="0">
-                <a:solidFill>
-                  <a:srgbClr val="008080"/>
-                </a:solidFill>
-                <a:effectLst/>
-                <a:latin typeface="Helvetica Neue"/>
-              </a:rPr>
-              <a:t>Java Basic Syntax</a:t>
-            </a:r>
+            <a:pPr>
+              <a:lnSpc>
+                <a:spcPct val="150000"/>
+              </a:lnSpc>
+            </a:pPr>
+            <a:r>
+              <a:rPr lang="en-US" b="1" dirty="0">
+                <a:solidFill>
+                  <a:srgbClr val="B1520F"/>
+                </a:solidFill>
+                <a:latin typeface="Helvetica Neue"/>
+              </a:rPr>
+              <a:t>Java Basic </a:t>
+            </a:r>
+            <a:r>
+              <a:rPr lang="en-US" b="1" dirty="0" smtClean="0">
+                <a:solidFill>
+                  <a:srgbClr val="B1520F"/>
+                </a:solidFill>
+                <a:latin typeface="Helvetica Neue"/>
+              </a:rPr>
+              <a:t>Syntax</a:t>
+            </a:r>
+          </a:p>
+          <a:p>
+            <a:pPr>
+              <a:lnSpc>
+                <a:spcPct val="150000"/>
+              </a:lnSpc>
+            </a:pPr>
+            <a:endParaRPr lang="en-US" b="1" dirty="0">
+              <a:solidFill>
+                <a:srgbClr val="B1520F"/>
+              </a:solidFill>
+              <a:latin typeface="Helvetica Neue"/>
+            </a:endParaRPr>
           </a:p>
           <a:p>
             <a:pPr>
@@ -5402,334 +5470,6 @@
       <p:sp>
         <p:nvSpPr>
           <p:cNvPr id="2" name="Rectangle 1"/>
-          <p:cNvSpPr/>
-          <p:nvPr/>
-        </p:nvSpPr>
-        <p:spPr>
-          <a:xfrm>
-            <a:off x="187036" y="145473"/>
-            <a:ext cx="12004964" cy="4611519"/>
-          </a:xfrm>
-          <a:prstGeom prst="rect">
-            <a:avLst/>
-          </a:prstGeom>
-        </p:spPr>
-        <p:txBody>
-          <a:bodyPr wrap="square">
-            <a:spAutoFit/>
-          </a:bodyPr>
-          <a:lstStyle/>
-          <a:p>
-            <a:pPr>
-              <a:lnSpc>
-                <a:spcPct val="150000"/>
-              </a:lnSpc>
-            </a:pPr>
-            <a:r>
-              <a:rPr lang="en-US" b="1" i="0" dirty="0" smtClean="0">
-                <a:solidFill>
-                  <a:srgbClr val="B1520F"/>
-                </a:solidFill>
-                <a:effectLst/>
-                <a:latin typeface="Helvetica Neue"/>
-              </a:rPr>
-              <a:t>Identifiers in Java</a:t>
-            </a:r>
-          </a:p>
-          <a:p>
-            <a:pPr>
-              <a:lnSpc>
-                <a:spcPct val="150000"/>
-              </a:lnSpc>
-            </a:pPr>
-            <a:r>
-              <a:rPr lang="en-US" b="0" i="0" dirty="0" smtClean="0">
-                <a:solidFill>
-                  <a:srgbClr val="333333"/>
-                </a:solidFill>
-                <a:effectLst/>
-                <a:latin typeface="Helvetica Neue"/>
-              </a:rPr>
-              <a:t>In Java, an identifiers are used to name things, such as classes, variables, and methods.</a:t>
-            </a:r>
-          </a:p>
-          <a:p>
-            <a:pPr>
-              <a:lnSpc>
-                <a:spcPct val="150000"/>
-              </a:lnSpc>
-            </a:pPr>
-            <a:r>
-              <a:rPr lang="en-US" b="0" i="0" dirty="0" smtClean="0">
-                <a:solidFill>
-                  <a:srgbClr val="333333"/>
-                </a:solidFill>
-                <a:effectLst/>
-                <a:latin typeface="Helvetica Neue"/>
-              </a:rPr>
-              <a:t>An identifier may be any sequence of uppercase and lowercase letters, number or the underscore and dollar-sign characters. As you know, Java is case-sensitive, therefore, </a:t>
-            </a:r>
-            <a:r>
-              <a:rPr lang="en-US" b="1" i="0" dirty="0" smtClean="0">
-                <a:solidFill>
-                  <a:srgbClr val="333333"/>
-                </a:solidFill>
-                <a:effectLst/>
-                <a:latin typeface="Helvetica Neue"/>
-              </a:rPr>
-              <a:t>VALUE</a:t>
-            </a:r>
-            <a:r>
-              <a:rPr lang="en-US" b="0" i="0" dirty="0" smtClean="0">
-                <a:solidFill>
-                  <a:srgbClr val="333333"/>
-                </a:solidFill>
-                <a:effectLst/>
-                <a:latin typeface="Helvetica Neue"/>
-              </a:rPr>
-              <a:t> is a different identifier than </a:t>
-            </a:r>
-            <a:r>
-              <a:rPr lang="en-US" b="1" i="0" dirty="0" smtClean="0">
-                <a:solidFill>
-                  <a:srgbClr val="333333"/>
-                </a:solidFill>
-                <a:effectLst/>
-                <a:latin typeface="Helvetica Neue"/>
-              </a:rPr>
-              <a:t>Value</a:t>
-            </a:r>
-            <a:r>
-              <a:rPr lang="en-US" b="0" i="0" dirty="0" smtClean="0">
-                <a:solidFill>
-                  <a:srgbClr val="333333"/>
-                </a:solidFill>
-                <a:effectLst/>
-                <a:latin typeface="Helvetica Neue"/>
-              </a:rPr>
-              <a:t>.</a:t>
-            </a:r>
-          </a:p>
-          <a:p>
-            <a:pPr>
-              <a:lnSpc>
-                <a:spcPct val="150000"/>
-              </a:lnSpc>
-            </a:pPr>
-            <a:r>
-              <a:rPr lang="en-US" b="0" i="0" dirty="0" smtClean="0">
-                <a:solidFill>
-                  <a:srgbClr val="333333"/>
-                </a:solidFill>
-                <a:effectLst/>
-                <a:latin typeface="Helvetica Neue"/>
-              </a:rPr>
-              <a:t>Following are the rules to declare Identifiers in Java:</a:t>
-            </a:r>
-          </a:p>
-          <a:p>
-            <a:pPr>
-              <a:lnSpc>
-                <a:spcPct val="150000"/>
-              </a:lnSpc>
-              <a:buFont typeface="Arial" panose="020B0604020202020204" pitchFamily="34" charset="0"/>
-              <a:buChar char="•"/>
-            </a:pPr>
-            <a:r>
-              <a:rPr lang="en-US" b="0" i="0" dirty="0" smtClean="0">
-                <a:solidFill>
-                  <a:srgbClr val="333333"/>
-                </a:solidFill>
-                <a:effectLst/>
-                <a:latin typeface="Helvetica Neue"/>
-              </a:rPr>
-              <a:t>All identifiers can begin with a letter (A to Z or a to z) or dollar currency character ($) or an underscore (_).</a:t>
-            </a:r>
-          </a:p>
-          <a:p>
-            <a:pPr>
-              <a:lnSpc>
-                <a:spcPct val="150000"/>
-              </a:lnSpc>
-              <a:buFont typeface="Arial" panose="020B0604020202020204" pitchFamily="34" charset="0"/>
-              <a:buChar char="•"/>
-            </a:pPr>
-            <a:r>
-              <a:rPr lang="en-US" b="0" i="0" dirty="0" smtClean="0">
-                <a:solidFill>
-                  <a:srgbClr val="333333"/>
-                </a:solidFill>
-                <a:effectLst/>
-                <a:latin typeface="Helvetica Neue"/>
-              </a:rPr>
-              <a:t>After the first character identifiers can have any combination of characters.</a:t>
-            </a:r>
-          </a:p>
-          <a:p>
-            <a:pPr>
-              <a:lnSpc>
-                <a:spcPct val="150000"/>
-              </a:lnSpc>
-              <a:buFont typeface="Arial" panose="020B0604020202020204" pitchFamily="34" charset="0"/>
-              <a:buChar char="•"/>
-            </a:pPr>
-            <a:r>
-              <a:rPr lang="en-US" b="0" i="0" dirty="0" smtClean="0">
-                <a:solidFill>
-                  <a:srgbClr val="333333"/>
-                </a:solidFill>
-                <a:effectLst/>
-                <a:latin typeface="Helvetica Neue"/>
-              </a:rPr>
-              <a:t>Most importantly identifiers are case-sensitive.</a:t>
-            </a:r>
-          </a:p>
-          <a:p>
-            <a:pPr>
-              <a:lnSpc>
-                <a:spcPct val="150000"/>
-              </a:lnSpc>
-              <a:buFont typeface="Arial" panose="020B0604020202020204" pitchFamily="34" charset="0"/>
-              <a:buChar char="•"/>
-            </a:pPr>
-            <a:r>
-              <a:rPr lang="en-US" b="0" i="0" dirty="0" smtClean="0">
-                <a:solidFill>
-                  <a:srgbClr val="333333"/>
-                </a:solidFill>
-                <a:effectLst/>
-                <a:latin typeface="Helvetica Neue"/>
-              </a:rPr>
-              <a:t>A keyword cannot be used as an identifier since it has reserved words and have some special meaning.</a:t>
-            </a:r>
-          </a:p>
-          <a:p>
-            <a:pPr>
-              <a:lnSpc>
-                <a:spcPct val="150000"/>
-              </a:lnSpc>
-              <a:buFont typeface="Arial" panose="020B0604020202020204" pitchFamily="34" charset="0"/>
-              <a:buChar char="•"/>
-            </a:pPr>
-            <a:r>
-              <a:rPr lang="en-US" b="0" i="0" dirty="0" smtClean="0">
-                <a:solidFill>
-                  <a:srgbClr val="333333"/>
-                </a:solidFill>
-                <a:effectLst/>
-                <a:latin typeface="Helvetica Neue"/>
-              </a:rPr>
-              <a:t>Examples of illegal identifiers: 123abc, -salary etc.</a:t>
-            </a:r>
-          </a:p>
-          <a:p>
-            <a:pPr>
-              <a:lnSpc>
-                <a:spcPct val="150000"/>
-              </a:lnSpc>
-              <a:buFont typeface="Arial" panose="020B0604020202020204" pitchFamily="34" charset="0"/>
-              <a:buChar char="•"/>
-            </a:pPr>
-            <a:r>
-              <a:rPr lang="en-US" b="0" i="0" dirty="0" smtClean="0">
-                <a:solidFill>
-                  <a:srgbClr val="333333"/>
-                </a:solidFill>
-                <a:effectLst/>
-                <a:latin typeface="Helvetica Neue"/>
-              </a:rPr>
-              <a:t>Examples of legal identifiers: </a:t>
-            </a:r>
-            <a:r>
-              <a:rPr lang="en-US" b="0" i="0" dirty="0" err="1" smtClean="0">
-                <a:solidFill>
-                  <a:srgbClr val="333333"/>
-                </a:solidFill>
-                <a:effectLst/>
-                <a:latin typeface="Helvetica Neue"/>
-              </a:rPr>
-              <a:t>AvgTemp</a:t>
-            </a:r>
-            <a:r>
-              <a:rPr lang="en-US" b="0" i="0" dirty="0" smtClean="0">
-                <a:solidFill>
-                  <a:srgbClr val="333333"/>
-                </a:solidFill>
-                <a:effectLst/>
-                <a:latin typeface="Helvetica Neue"/>
-              </a:rPr>
-              <a:t>, count, a4, </a:t>
-            </a:r>
-            <a:r>
-              <a:rPr lang="en-US" b="0" i="0" dirty="0" err="1" smtClean="0">
-                <a:solidFill>
-                  <a:srgbClr val="333333"/>
-                </a:solidFill>
-                <a:effectLst/>
-                <a:latin typeface="Helvetica Neue"/>
-              </a:rPr>
-              <a:t>this_is_ok</a:t>
-            </a:r>
-            <a:r>
-              <a:rPr lang="en-US" b="0" i="0" dirty="0" smtClean="0">
-                <a:solidFill>
-                  <a:srgbClr val="333333"/>
-                </a:solidFill>
-                <a:effectLst/>
-                <a:latin typeface="Helvetica Neue"/>
-              </a:rPr>
-              <a:t>, age, $salary, _value, __1_value, customers etc.</a:t>
-            </a:r>
-            <a:endParaRPr lang="en-US" b="0" i="0" dirty="0">
-              <a:solidFill>
-                <a:srgbClr val="333333"/>
-              </a:solidFill>
-              <a:effectLst/>
-              <a:latin typeface="Helvetica Neue"/>
-            </a:endParaRPr>
-          </a:p>
-        </p:txBody>
-      </p:sp>
-    </p:spTree>
-    <p:extLst>
-      <p:ext uri="{BB962C8B-B14F-4D97-AF65-F5344CB8AC3E}">
-        <p14:creationId xmlns:p14="http://schemas.microsoft.com/office/powerpoint/2010/main" val="3006727128"/>
-      </p:ext>
-    </p:extLst>
-  </p:cSld>
-  <p:clrMapOvr>
-    <a:masterClrMapping/>
-  </p:clrMapOvr>
-  <p:timing>
-    <p:tnLst>
-      <p:par>
-        <p:cTn id="1" dur="indefinite" restart="never" nodeType="tmRoot"/>
-      </p:par>
-    </p:tnLst>
-  </p:timing>
-</p:sld>
-</file>
-
-<file path=ppt/slides/slide18.xml><?xml version="1.0" encoding="utf-8"?>
-<p:sld xmlns:a="http://schemas.openxmlformats.org/drawingml/2006/main" xmlns:r="http://schemas.openxmlformats.org/officeDocument/2006/relationships" xmlns:p="http://schemas.openxmlformats.org/presentationml/2006/main">
-  <p:cSld>
-    <p:spTree>
-      <p:nvGrpSpPr>
-        <p:cNvPr id="1" name=""/>
-        <p:cNvGrpSpPr/>
-        <p:nvPr/>
-      </p:nvGrpSpPr>
-      <p:grpSpPr>
-        <a:xfrm>
-          <a:off x="0" y="0"/>
-          <a:ext cx="0" cy="0"/>
-          <a:chOff x="0" y="0"/>
-          <a:chExt cx="0" cy="0"/>
-        </a:xfrm>
-      </p:grpSpPr>
-      <p:sp>
-        <p:nvSpPr>
-          <p:cNvPr id="2" name="Rectangle 1"/>
           <p:cNvSpPr>
             <a:spLocks noChangeArrowheads="1"/>
           </p:cNvSpPr>
@@ -5737,8 +5477,8 @@
         </p:nvSpPr>
         <p:spPr bwMode="auto">
           <a:xfrm>
-            <a:off x="90376" y="872023"/>
-            <a:ext cx="11682524" cy="3416932"/>
+            <a:off x="90376" y="1079772"/>
+            <a:ext cx="11682524" cy="3001433"/>
           </a:xfrm>
           <a:prstGeom prst="rect">
             <a:avLst/>
@@ -6019,26 +5759,17 @@
                 </a:solidFill>
                 <a:latin typeface="Helvetica Neue"/>
               </a:rPr>
-              <a:t>Java is a platform-independent language. It's because when you write Java code, it's ultimately written for JVM but not your physical machine (computer). Since JVM ​executes the Java bytecode which is platform-independent, Java is platform-independent.</a:t>
-            </a:r>
-          </a:p>
-          <a:p>
-            <a:pPr marR="0" lvl="0" indent="-171450" eaLnBrk="1" fontAlgn="base" hangingPunct="1">
-              <a:lnSpc>
-                <a:spcPct val="150000"/>
-              </a:lnSpc>
-              <a:spcBef>
-                <a:spcPct val="0"/>
-              </a:spcBef>
-              <a:spcAft>
-                <a:spcPct val="0"/>
-              </a:spcAft>
-              <a:buClrTx/>
-              <a:buSzTx/>
-              <a:buFont typeface="Arial" panose="020B0604020202020204" pitchFamily="34" charset="0"/>
-              <a:buChar char="•"/>
-              <a:tabLst/>
-            </a:pPr>
+              <a:t>Java is a platform-independent language. It's because when you write Java code, it's ultimately written for JVM but not your physical machine (computer). Since JVM ​executes the Java bytecode which is platform-independent, Java is platform-independent</a:t>
+            </a:r>
+            <a:r>
+              <a:rPr lang="en-US" altLang="en-US" dirty="0" smtClean="0">
+                <a:solidFill>
+                  <a:srgbClr val="333333"/>
+                </a:solidFill>
+                <a:latin typeface="Helvetica Neue"/>
+              </a:rPr>
+              <a:t>.</a:t>
+            </a:r>
             <a:r>
               <a:rPr lang="en-US" altLang="en-US" dirty="0">
                 <a:solidFill>
@@ -6046,7 +5777,7 @@
                 </a:solidFill>
                 <a:latin typeface="Helvetica Neue"/>
               </a:rPr>
-              <a:t>                                                                                                                                </a:t>
+              <a:t>                                                                                                                          </a:t>
             </a:r>
           </a:p>
         </p:txBody>
@@ -6071,7 +5802,7 @@
 </p:sld>
 </file>
 
-<file path=ppt/slides/slide19.xml><?xml version="1.0" encoding="utf-8"?>
+<file path=ppt/slides/slide18.xml><?xml version="1.0" encoding="utf-8"?>
 <p:sld xmlns:a="http://schemas.openxmlformats.org/drawingml/2006/main" xmlns:r="http://schemas.openxmlformats.org/officeDocument/2006/relationships" xmlns:p="http://schemas.openxmlformats.org/presentationml/2006/main">
   <p:cSld>
     <p:spTree>
@@ -6287,6 +6018,231 @@
     <p:extLst>
       <p:ext uri="{BB962C8B-B14F-4D97-AF65-F5344CB8AC3E}">
         <p14:creationId xmlns:p14="http://schemas.microsoft.com/office/powerpoint/2010/main" val="3688786215"/>
+      </p:ext>
+    </p:extLst>
+  </p:cSld>
+  <p:clrMapOvr>
+    <a:masterClrMapping/>
+  </p:clrMapOvr>
+  <p:timing>
+    <p:tnLst>
+      <p:par>
+        <p:cTn id="1" dur="indefinite" restart="never" nodeType="tmRoot"/>
+      </p:par>
+    </p:tnLst>
+  </p:timing>
+</p:sld>
+</file>
+
+<file path=ppt/slides/slide19.xml><?xml version="1.0" encoding="utf-8"?>
+<p:sld xmlns:a="http://schemas.openxmlformats.org/drawingml/2006/main" xmlns:r="http://schemas.openxmlformats.org/officeDocument/2006/relationships" xmlns:p="http://schemas.openxmlformats.org/presentationml/2006/main">
+  <p:cSld>
+    <p:spTree>
+      <p:nvGrpSpPr>
+        <p:cNvPr id="1" name=""/>
+        <p:cNvGrpSpPr/>
+        <p:nvPr/>
+      </p:nvGrpSpPr>
+      <p:grpSpPr>
+        <a:xfrm>
+          <a:off x="0" y="0"/>
+          <a:ext cx="0" cy="0"/>
+          <a:chOff x="0" y="0"/>
+          <a:chExt cx="0" cy="0"/>
+        </a:xfrm>
+      </p:grpSpPr>
+      <p:sp>
+        <p:nvSpPr>
+          <p:cNvPr id="2" name="Rectangle 1"/>
+          <p:cNvSpPr/>
+          <p:nvPr/>
+        </p:nvSpPr>
+        <p:spPr>
+          <a:xfrm>
+            <a:off x="0" y="135081"/>
+            <a:ext cx="12043064" cy="5078313"/>
+          </a:xfrm>
+          <a:prstGeom prst="rect">
+            <a:avLst/>
+          </a:prstGeom>
+        </p:spPr>
+        <p:txBody>
+          <a:bodyPr wrap="square">
+            <a:spAutoFit/>
+          </a:bodyPr>
+          <a:lstStyle/>
+          <a:p>
+            <a:pPr fontAlgn="base">
+              <a:lnSpc>
+                <a:spcPct val="150000"/>
+              </a:lnSpc>
+            </a:pPr>
+            <a:r>
+              <a:rPr lang="en-US" b="1" i="0" dirty="0" smtClean="0">
+                <a:solidFill>
+                  <a:srgbClr val="273239"/>
+                </a:solidFill>
+                <a:effectLst/>
+                <a:latin typeface="urw-din"/>
+              </a:rPr>
+              <a:t>1</a:t>
+            </a:r>
+            <a:r>
+              <a:rPr lang="en-US" dirty="0">
+                <a:solidFill>
+                  <a:srgbClr val="333333"/>
+                </a:solidFill>
+                <a:latin typeface="Helvetica Neue"/>
+              </a:rPr>
+              <a:t>. JDK (Java Development Kit) is a Kit that provides the environment to develop and execute(run) the Java program. JDK is a kit(or package) that includes two things</a:t>
+            </a:r>
+          </a:p>
+          <a:p>
+            <a:pPr lvl="1" fontAlgn="base">
+              <a:lnSpc>
+                <a:spcPct val="150000"/>
+              </a:lnSpc>
+              <a:buFont typeface="Arial" panose="020B0604020202020204" pitchFamily="34" charset="0"/>
+              <a:buChar char="•"/>
+            </a:pPr>
+            <a:r>
+              <a:rPr lang="en-US" dirty="0">
+                <a:solidFill>
+                  <a:srgbClr val="333333"/>
+                </a:solidFill>
+                <a:latin typeface="Helvetica Neue"/>
+              </a:rPr>
+              <a:t>Development Tools(to provide an environment to develop your java programs)</a:t>
+            </a:r>
+          </a:p>
+          <a:p>
+            <a:pPr lvl="1" fontAlgn="base">
+              <a:lnSpc>
+                <a:spcPct val="150000"/>
+              </a:lnSpc>
+              <a:buFont typeface="Arial" panose="020B0604020202020204" pitchFamily="34" charset="0"/>
+              <a:buChar char="•"/>
+            </a:pPr>
+            <a:r>
+              <a:rPr lang="en-US" dirty="0">
+                <a:solidFill>
+                  <a:srgbClr val="333333"/>
+                </a:solidFill>
+                <a:latin typeface="Helvetica Neue"/>
+              </a:rPr>
+              <a:t>JRE (to execute your java program).</a:t>
+            </a:r>
+            <a:br>
+              <a:rPr lang="en-US" dirty="0">
+                <a:solidFill>
+                  <a:srgbClr val="333333"/>
+                </a:solidFill>
+                <a:latin typeface="Helvetica Neue"/>
+              </a:rPr>
+            </a:br>
+            <a:r>
+              <a:rPr lang="en-US" dirty="0">
+                <a:solidFill>
+                  <a:srgbClr val="333333"/>
+                </a:solidFill>
+                <a:latin typeface="Helvetica Neue"/>
+              </a:rPr>
+              <a:t> </a:t>
+            </a:r>
+          </a:p>
+          <a:p>
+            <a:pPr fontAlgn="base">
+              <a:lnSpc>
+                <a:spcPct val="150000"/>
+              </a:lnSpc>
+            </a:pPr>
+            <a:r>
+              <a:rPr lang="en-US" dirty="0">
+                <a:solidFill>
+                  <a:srgbClr val="333333"/>
+                </a:solidFill>
+                <a:latin typeface="Helvetica Neue"/>
+              </a:rPr>
+              <a:t>2. JRE (Java Runtime Environment) is an installation package that provides an environment to only run(not develop) the java program(or application)onto your machine. JRE is only used by those who only want to run Java programs that are end-users of your system.</a:t>
+            </a:r>
+            <a:br>
+              <a:rPr lang="en-US" dirty="0">
+                <a:solidFill>
+                  <a:srgbClr val="333333"/>
+                </a:solidFill>
+                <a:latin typeface="Helvetica Neue"/>
+              </a:rPr>
+            </a:br>
+            <a:r>
+              <a:rPr lang="en-US" dirty="0">
+                <a:solidFill>
+                  <a:srgbClr val="333333"/>
+                </a:solidFill>
+                <a:latin typeface="Helvetica Neue"/>
+              </a:rPr>
+              <a:t> </a:t>
+            </a:r>
+          </a:p>
+          <a:p>
+            <a:pPr fontAlgn="base">
+              <a:lnSpc>
+                <a:spcPct val="150000"/>
+              </a:lnSpc>
+            </a:pPr>
+            <a:r>
+              <a:rPr lang="en-US" dirty="0">
+                <a:solidFill>
+                  <a:srgbClr val="333333"/>
+                </a:solidFill>
+                <a:latin typeface="Helvetica Neue"/>
+              </a:rPr>
+              <a:t>3. </a:t>
+            </a:r>
+            <a:r>
+              <a:rPr lang="en-US" dirty="0">
+                <a:solidFill>
+                  <a:srgbClr val="333333"/>
+                </a:solidFill>
+                <a:latin typeface="Helvetica Neue"/>
+                <a:hlinkClick r:id="rId2"/>
+              </a:rPr>
+              <a:t>JVM (Java Virtual Machine)</a:t>
+            </a:r>
+            <a:r>
+              <a:rPr lang="en-US" dirty="0">
+                <a:solidFill>
+                  <a:srgbClr val="333333"/>
+                </a:solidFill>
+                <a:latin typeface="Helvetica Neue"/>
+              </a:rPr>
+              <a:t> is a very important part of both JDK and JRE because it is contained or inbuilt in both. Whatever Java program you run using JRE or JDK goes into JVM and JVM is responsible for executing the java program line by line, hence it is also known as an </a:t>
+            </a:r>
+            <a:r>
+              <a:rPr lang="en-US" dirty="0">
+                <a:solidFill>
+                  <a:srgbClr val="333333"/>
+                </a:solidFill>
+                <a:latin typeface="Helvetica Neue"/>
+                <a:hlinkClick r:id="rId3"/>
+              </a:rPr>
+              <a:t>interpreter</a:t>
+            </a:r>
+            <a:r>
+              <a:rPr lang="en-US" dirty="0">
+                <a:solidFill>
+                  <a:srgbClr val="333333"/>
+                </a:solidFill>
+                <a:latin typeface="Helvetica Neue"/>
+              </a:rPr>
+              <a:t>.</a:t>
+            </a:r>
+          </a:p>
+        </p:txBody>
+      </p:sp>
+    </p:spTree>
+    <p:extLst>
+      <p:ext uri="{BB962C8B-B14F-4D97-AF65-F5344CB8AC3E}">
+        <p14:creationId xmlns:p14="http://schemas.microsoft.com/office/powerpoint/2010/main" val="1934647937"/>
       </p:ext>
     </p:extLst>
   </p:cSld>
@@ -6341,17 +6297,16 @@
           </a:bodyPr>
           <a:lstStyle/>
           <a:p>
-            <a:pPr algn="ctr">
-              <a:lnSpc>
-                <a:spcPct val="150000"/>
-              </a:lnSpc>
-            </a:pPr>
-            <a:r>
-              <a:rPr lang="en-US" b="1" i="0" dirty="0" smtClean="0">
-                <a:solidFill>
-                  <a:srgbClr val="008080"/>
-                </a:solidFill>
-                <a:effectLst/>
+            <a:pPr>
+              <a:lnSpc>
+                <a:spcPct val="150000"/>
+              </a:lnSpc>
+            </a:pPr>
+            <a:r>
+              <a:rPr lang="en-US" b="1" dirty="0">
+                <a:solidFill>
+                  <a:srgbClr val="B1520F"/>
+                </a:solidFill>
                 <a:latin typeface="Helvetica Neue"/>
               </a:rPr>
               <a:t>Types of Computer Programming Languages</a:t>
@@ -6643,14 +6598,14 @@
       </p:grpSpPr>
       <p:sp>
         <p:nvSpPr>
-          <p:cNvPr id="2" name="Rectangle 1"/>
+          <p:cNvPr id="6" name="Rectangle 5"/>
           <p:cNvSpPr/>
           <p:nvPr/>
         </p:nvSpPr>
         <p:spPr>
           <a:xfrm>
-            <a:off x="0" y="135081"/>
-            <a:ext cx="12043064" cy="5078313"/>
+            <a:off x="178805" y="-1"/>
+            <a:ext cx="11781131" cy="7017306"/>
           </a:xfrm>
           <a:prstGeom prst="rect">
             <a:avLst/>
@@ -6662,36 +6617,26 @@
           </a:bodyPr>
           <a:lstStyle/>
           <a:p>
-            <a:pPr fontAlgn="base">
-              <a:lnSpc>
-                <a:spcPct val="150000"/>
-              </a:lnSpc>
-            </a:pPr>
-            <a:r>
-              <a:rPr lang="en-US" b="1" i="0" dirty="0" smtClean="0">
-                <a:solidFill>
-                  <a:srgbClr val="273239"/>
-                </a:solidFill>
-                <a:effectLst/>
-                <a:latin typeface="urw-din"/>
-              </a:rPr>
-              <a:t>1</a:t>
-            </a:r>
-            <a:r>
-              <a:rPr lang="en-US" dirty="0">
-                <a:solidFill>
-                  <a:srgbClr val="333333"/>
-                </a:solidFill>
-                <a:latin typeface="Helvetica Neue"/>
-              </a:rPr>
-              <a:t>. JDK (Java Development Kit) is a Kit that provides the environment to develop and execute(run) the Java program. JDK is a kit(or package) that includes two things</a:t>
-            </a:r>
-          </a:p>
-          <a:p>
-            <a:pPr lvl="1" fontAlgn="base">
-              <a:lnSpc>
-                <a:spcPct val="150000"/>
-              </a:lnSpc>
+            <a:r>
+              <a:rPr lang="en-US" b="1" dirty="0">
+                <a:solidFill>
+                  <a:srgbClr val="B1520F"/>
+                </a:solidFill>
+                <a:latin typeface="Helvetica Neue"/>
+              </a:rPr>
+              <a:t>Java Primitive Data Types</a:t>
+            </a:r>
+          </a:p>
+          <a:p>
+            <a:endParaRPr lang="en-US" dirty="0">
+              <a:solidFill>
+                <a:srgbClr val="333333"/>
+              </a:solidFill>
+              <a:latin typeface="Helvetica Neue"/>
+            </a:endParaRPr>
+          </a:p>
+          <a:p>
+            <a:pPr marL="285750" indent="-285750">
               <a:buFont typeface="Arial" panose="020B0604020202020204" pitchFamily="34" charset="0"/>
               <a:buChar char="•"/>
             </a:pPr>
@@ -6702,11 +6647,11 @@
                 </a:solidFill>
                 <a:latin typeface="Helvetica Neue"/>
               </a:rPr>
-              <a:t>Development Tools(to provide an environment to develop your java programs)</a:t>
-            </a:r>
-          </a:p>
-          <a:p>
-            <a:pPr lvl="1" fontAlgn="base">
+              <a:t>Data types specify the type of data that can be stored inside variables in Java.</a:t>
+            </a:r>
+          </a:p>
+          <a:p>
+            <a:pPr marL="285750" indent="-285750">
               <a:lnSpc>
                 <a:spcPct val="150000"/>
               </a:lnSpc>
@@ -6720,16 +6665,75 @@
                 </a:solidFill>
                 <a:latin typeface="Helvetica Neue"/>
               </a:rPr>
-              <a:t>JRE (to execute your java program).</a:t>
-            </a:r>
-            <a:br>
+              <a:t>Java is a statically-typed language. This means that all variables must be declared before they can be used.</a:t>
+            </a:r>
+          </a:p>
+          <a:p>
+            <a:endParaRPr lang="en-US" dirty="0">
+              <a:solidFill>
+                <a:srgbClr val="333333"/>
+              </a:solidFill>
+              <a:latin typeface="Helvetica Neue"/>
+            </a:endParaRPr>
+          </a:p>
+          <a:p>
+            <a:r>
               <a:rPr lang="en-US" dirty="0">
                 <a:solidFill>
                   <a:srgbClr val="333333"/>
                 </a:solidFill>
                 <a:latin typeface="Helvetica Neue"/>
               </a:rPr>
-            </a:br>
+              <a:t>Java defines the following eight primitive data types:</a:t>
+            </a:r>
+          </a:p>
+          <a:p>
+            <a:pPr lvl="1">
+              <a:buFont typeface="+mj-lt"/>
+              <a:buAutoNum type="arabicPeriod"/>
+            </a:pPr>
+            <a:r>
+              <a:rPr lang="en-US" dirty="0" err="1">
+                <a:solidFill>
+                  <a:srgbClr val="333333"/>
+                </a:solidFill>
+                <a:latin typeface="Helvetica Neue"/>
+              </a:rPr>
+              <a:t>boolean</a:t>
+            </a:r>
+            <a:endParaRPr lang="en-US" dirty="0">
+              <a:solidFill>
+                <a:srgbClr val="333333"/>
+              </a:solidFill>
+              <a:latin typeface="Helvetica Neue"/>
+            </a:endParaRPr>
+          </a:p>
+          <a:p>
+            <a:pPr lvl="1">
+              <a:buFont typeface="+mj-lt"/>
+              <a:buAutoNum type="arabicPeriod"/>
+            </a:pPr>
+            <a:r>
+              <a:rPr lang="en-US" dirty="0" smtClean="0">
+                <a:solidFill>
+                  <a:srgbClr val="333333"/>
+                </a:solidFill>
+                <a:latin typeface="Helvetica Neue"/>
+              </a:rPr>
+              <a:t>byte</a:t>
+            </a:r>
+            <a:endParaRPr lang="en-US" dirty="0">
+              <a:solidFill>
+                <a:srgbClr val="333333"/>
+              </a:solidFill>
+              <a:latin typeface="Helvetica Neue"/>
+            </a:endParaRPr>
+          </a:p>
+          <a:p>
+            <a:pPr lvl="1">
+              <a:buFont typeface="+mj-lt"/>
+              <a:buAutoNum type="arabicPeriod"/>
+            </a:pPr>
             <a:r>
               <a:rPr lang="en-US" dirty="0">
                 <a:solidFill>
@@ -6737,14 +6741,34 @@
                 </a:solidFill>
                 <a:latin typeface="Helvetica Neue"/>
               </a:rPr>
-              <a:t> </a:t>
-            </a:r>
-          </a:p>
-          <a:p>
-            <a:pPr fontAlgn="base">
-              <a:lnSpc>
-                <a:spcPct val="150000"/>
-              </a:lnSpc>
+              <a:t>short</a:t>
+            </a:r>
+          </a:p>
+          <a:p>
+            <a:pPr lvl="1">
+              <a:buFont typeface="+mj-lt"/>
+              <a:buAutoNum type="arabicPeriod"/>
+            </a:pPr>
+            <a:r>
+              <a:rPr lang="en-US" dirty="0" err="1" smtClean="0">
+                <a:solidFill>
+                  <a:srgbClr val="333333"/>
+                </a:solidFill>
+                <a:latin typeface="Helvetica Neue"/>
+              </a:rPr>
+              <a:t>int</a:t>
+            </a:r>
+            <a:endParaRPr lang="en-US" dirty="0">
+              <a:solidFill>
+                <a:srgbClr val="333333"/>
+              </a:solidFill>
+              <a:latin typeface="Helvetica Neue"/>
+            </a:endParaRPr>
+          </a:p>
+          <a:p>
+            <a:pPr lvl="1">
+              <a:buFont typeface="+mj-lt"/>
+              <a:buAutoNum type="arabicPeriod"/>
             </a:pPr>
             <a:r>
               <a:rPr lang="en-US" dirty="0">
@@ -6753,16 +6777,81 @@
                 </a:solidFill>
                 <a:latin typeface="Helvetica Neue"/>
               </a:rPr>
-              <a:t>2. JRE (Java Runtime Environment) is an installation package that provides an environment to only run(not develop) the java program(or application)onto your machine. JRE is only used by those who only want to run Java programs that are end-users of your system.</a:t>
-            </a:r>
-            <a:br>
+              <a:t>long</a:t>
+            </a:r>
+          </a:p>
+          <a:p>
+            <a:pPr lvl="1">
+              <a:buFont typeface="+mj-lt"/>
+              <a:buAutoNum type="arabicPeriod"/>
+            </a:pPr>
+            <a:r>
               <a:rPr lang="en-US" dirty="0">
                 <a:solidFill>
                   <a:srgbClr val="333333"/>
                 </a:solidFill>
                 <a:latin typeface="Helvetica Neue"/>
               </a:rPr>
-            </a:br>
+              <a:t>Double</a:t>
+            </a:r>
+            <a:endParaRPr lang="en-US" dirty="0" smtClean="0">
+              <a:solidFill>
+                <a:srgbClr val="333333"/>
+              </a:solidFill>
+              <a:latin typeface="Helvetica Neue"/>
+            </a:endParaRPr>
+          </a:p>
+          <a:p>
+            <a:pPr lvl="1">
+              <a:buFont typeface="+mj-lt"/>
+              <a:buAutoNum type="arabicPeriod"/>
+            </a:pPr>
+            <a:r>
+              <a:rPr lang="en-US" dirty="0" smtClean="0">
+                <a:solidFill>
+                  <a:srgbClr val="333333"/>
+                </a:solidFill>
+                <a:latin typeface="Helvetica Neue"/>
+              </a:rPr>
+              <a:t>float</a:t>
+            </a:r>
+            <a:endParaRPr lang="en-US" dirty="0">
+              <a:solidFill>
+                <a:srgbClr val="333333"/>
+              </a:solidFill>
+              <a:latin typeface="Helvetica Neue"/>
+            </a:endParaRPr>
+          </a:p>
+          <a:p>
+            <a:pPr lvl="1">
+              <a:buFont typeface="+mj-lt"/>
+              <a:buAutoNum type="arabicPeriod"/>
+            </a:pPr>
+            <a:r>
+              <a:rPr lang="en-US" dirty="0" smtClean="0">
+                <a:solidFill>
+                  <a:srgbClr val="333333"/>
+                </a:solidFill>
+                <a:latin typeface="Helvetica Neue"/>
+              </a:rPr>
+              <a:t>Char</a:t>
+            </a:r>
+          </a:p>
+          <a:p>
+            <a:pPr>
+              <a:lnSpc>
+                <a:spcPct val="150000"/>
+              </a:lnSpc>
+            </a:pPr>
+            <a:r>
+              <a:rPr lang="en-US" dirty="0" smtClean="0">
+                <a:solidFill>
+                  <a:srgbClr val="333333"/>
+                </a:solidFill>
+                <a:latin typeface="Helvetica Neue"/>
+              </a:rPr>
+              <a:t>The </a:t>
+            </a:r>
             <a:r>
               <a:rPr lang="en-US" dirty="0">
                 <a:solidFill>
@@ -6770,15 +6859,36 @@
                 </a:solidFill>
                 <a:latin typeface="Helvetica Neue"/>
               </a:rPr>
-              <a:t> </a:t>
-            </a:r>
-          </a:p>
-          <a:p>
-            <a:pPr fontAlgn="base">
-              <a:lnSpc>
-                <a:spcPct val="150000"/>
-              </a:lnSpc>
-            </a:pPr>
+              <a:t>primitive data types are also commonly referred to as simple types. These can be put in the following four groups </a:t>
+            </a:r>
+            <a:r>
+              <a:rPr lang="en-US" dirty="0" smtClean="0">
+                <a:solidFill>
+                  <a:srgbClr val="333333"/>
+                </a:solidFill>
+                <a:latin typeface="Helvetica Neue"/>
+              </a:rPr>
+              <a:t>:</a:t>
+            </a:r>
+          </a:p>
+          <a:p>
+            <a:pPr>
+              <a:lnSpc>
+                <a:spcPct val="150000"/>
+              </a:lnSpc>
+              <a:buFont typeface="+mj-lt"/>
+              <a:buAutoNum type="arabicPeriod"/>
+            </a:pPr>
+            <a:r>
+              <a:rPr lang="en-US" dirty="0" smtClean="0">
+                <a:solidFill>
+                  <a:srgbClr val="333333"/>
+                </a:solidFill>
+                <a:latin typeface="Helvetica Neue"/>
+                <a:hlinkClick r:id="rId2"/>
+              </a:rPr>
+              <a:t>Integers</a:t>
+            </a:r>
             <a:r>
               <a:rPr lang="en-US" dirty="0">
                 <a:solidFill>
@@ -6786,7 +6896,16 @@
                 </a:solidFill>
                 <a:latin typeface="Helvetica Neue"/>
               </a:rPr>
-              <a:t>3. </a:t>
+              <a:t> - This group included byte, short, </a:t>
+            </a:r>
+            <a:r>
+              <a:rPr lang="en-US" dirty="0" err="1">
+                <a:solidFill>
+                  <a:srgbClr val="333333"/>
+                </a:solidFill>
+                <a:latin typeface="Helvetica Neue"/>
+              </a:rPr>
+              <a:t>int</a:t>
             </a:r>
             <a:r>
               <a:rPr lang="en-US" dirty="0">
@@ -6794,18 +6913,27 @@
                   <a:srgbClr val="333333"/>
                 </a:solidFill>
                 <a:latin typeface="Helvetica Neue"/>
-                <a:hlinkClick r:id="rId2"/>
-              </a:rPr>
-              <a:t>JVM (Java Virtual Machine)</a:t>
-            </a:r>
+              </a:rPr>
+              <a:t>, and long, which are for whole-valued signed numbers.</a:t>
+            </a:r>
+          </a:p>
+          <a:p>
+            <a:pPr>
+              <a:lnSpc>
+                <a:spcPct val="150000"/>
+              </a:lnSpc>
+              <a:buFont typeface="+mj-lt"/>
+              <a:buAutoNum type="arabicPeriod"/>
+            </a:pPr>
             <a:r>
               <a:rPr lang="en-US" dirty="0">
                 <a:solidFill>
                   <a:srgbClr val="333333"/>
                 </a:solidFill>
                 <a:latin typeface="Helvetica Neue"/>
-              </a:rPr>
-              <a:t> is a very important part of both JDK and JRE because it is contained or inbuilt in both. Whatever Java program you run using JRE or JDK goes into JVM and JVM is responsible for executing the java program line by line, hence it is also known as an </a:t>
+                <a:hlinkClick r:id="rId3"/>
+              </a:rPr>
+              <a:t>Floating-Point numbers</a:t>
             </a:r>
             <a:r>
               <a:rPr lang="en-US" dirty="0">
@@ -6813,18 +6941,82 @@
                   <a:srgbClr val="333333"/>
                 </a:solidFill>
                 <a:latin typeface="Helvetica Neue"/>
-                <a:hlinkClick r:id="rId3"/>
-              </a:rPr>
-              <a:t>interpreter</a:t>
-            </a:r>
+              </a:rPr>
+              <a:t> - This group includes float and double, these represent the numbers with fractional precision.</a:t>
+            </a:r>
+          </a:p>
+          <a:p>
+            <a:pPr>
+              <a:lnSpc>
+                <a:spcPct val="150000"/>
+              </a:lnSpc>
+              <a:buFont typeface="+mj-lt"/>
+              <a:buAutoNum type="arabicPeriod"/>
+            </a:pPr>
             <a:r>
               <a:rPr lang="en-US" dirty="0">
                 <a:solidFill>
                   <a:srgbClr val="333333"/>
                 </a:solidFill>
                 <a:latin typeface="Helvetica Neue"/>
-              </a:rPr>
-              <a:t>.</a:t>
+                <a:hlinkClick r:id="rId4"/>
+              </a:rPr>
+              <a:t>Characters</a:t>
+            </a:r>
+            <a:r>
+              <a:rPr lang="en-US" dirty="0">
+                <a:solidFill>
+                  <a:srgbClr val="333333"/>
+                </a:solidFill>
+                <a:latin typeface="Helvetica Neue"/>
+              </a:rPr>
+              <a:t> - This group includes char, which represents the symbols in a character set, like letters and numbers.</a:t>
+            </a:r>
+          </a:p>
+          <a:p>
+            <a:pPr>
+              <a:lnSpc>
+                <a:spcPct val="150000"/>
+              </a:lnSpc>
+              <a:buFont typeface="+mj-lt"/>
+              <a:buAutoNum type="arabicPeriod"/>
+            </a:pPr>
+            <a:r>
+              <a:rPr lang="en-US" dirty="0">
+                <a:solidFill>
+                  <a:srgbClr val="333333"/>
+                </a:solidFill>
+                <a:latin typeface="Helvetica Neue"/>
+                <a:hlinkClick r:id="rId5"/>
+              </a:rPr>
+              <a:t>Booleans</a:t>
+            </a:r>
+            <a:r>
+              <a:rPr lang="en-US" dirty="0">
+                <a:solidFill>
+                  <a:srgbClr val="333333"/>
+                </a:solidFill>
+                <a:latin typeface="Helvetica Neue"/>
+              </a:rPr>
+              <a:t> - This group includes </a:t>
+            </a:r>
+            <a:r>
+              <a:rPr lang="en-US" dirty="0" err="1">
+                <a:solidFill>
+                  <a:srgbClr val="333333"/>
+                </a:solidFill>
+                <a:latin typeface="Helvetica Neue"/>
+              </a:rPr>
+              <a:t>boolean</a:t>
+            </a:r>
+            <a:r>
+              <a:rPr lang="en-US" dirty="0">
+                <a:solidFill>
+                  <a:srgbClr val="333333"/>
+                </a:solidFill>
+                <a:latin typeface="Helvetica Neue"/>
+              </a:rPr>
+              <a:t>, which is a special type for representing the true/false values.</a:t>
             </a:r>
           </a:p>
         </p:txBody>
@@ -6832,7 +7024,7 @@
     </p:spTree>
     <p:extLst>
       <p:ext uri="{BB962C8B-B14F-4D97-AF65-F5344CB8AC3E}">
-        <p14:creationId xmlns:p14="http://schemas.microsoft.com/office/powerpoint/2010/main" val="1934647937"/>
+        <p14:creationId xmlns:p14="http://schemas.microsoft.com/office/powerpoint/2010/main" val="3694037515"/>
       </p:ext>
     </p:extLst>
   </p:cSld>
@@ -6866,6 +7058,555 @@
           <a:chExt cx="0" cy="0"/>
         </a:xfrm>
       </p:grpSpPr>
+      <p:pic>
+        <p:nvPicPr>
+          <p:cNvPr id="2" name="Picture 1"/>
+          <p:cNvPicPr>
+            <a:picLocks noChangeAspect="1"/>
+          </p:cNvPicPr>
+          <p:nvPr/>
+        </p:nvPicPr>
+        <p:blipFill>
+          <a:blip r:embed="rId2"/>
+          <a:stretch>
+            <a:fillRect/>
+          </a:stretch>
+        </p:blipFill>
+        <p:spPr>
+          <a:xfrm>
+            <a:off x="129885" y="127288"/>
+            <a:ext cx="11861224" cy="7101462"/>
+          </a:xfrm>
+          <a:prstGeom prst="rect">
+            <a:avLst/>
+          </a:prstGeom>
+        </p:spPr>
+      </p:pic>
+    </p:spTree>
+    <p:extLst>
+      <p:ext uri="{BB962C8B-B14F-4D97-AF65-F5344CB8AC3E}">
+        <p14:creationId xmlns:p14="http://schemas.microsoft.com/office/powerpoint/2010/main" val="2655220300"/>
+      </p:ext>
+    </p:extLst>
+  </p:cSld>
+  <p:clrMapOvr>
+    <a:masterClrMapping/>
+  </p:clrMapOvr>
+  <p:timing>
+    <p:tnLst>
+      <p:par>
+        <p:cTn id="1" dur="indefinite" restart="never" nodeType="tmRoot"/>
+      </p:par>
+    </p:tnLst>
+  </p:timing>
+</p:sld>
+</file>
+
+<file path=ppt/slides/slide22.xml><?xml version="1.0" encoding="utf-8"?>
+<p:sld xmlns:a="http://schemas.openxmlformats.org/drawingml/2006/main" xmlns:r="http://schemas.openxmlformats.org/officeDocument/2006/relationships" xmlns:p="http://schemas.openxmlformats.org/presentationml/2006/main">
+  <p:cSld>
+    <p:spTree>
+      <p:nvGrpSpPr>
+        <p:cNvPr id="1" name=""/>
+        <p:cNvGrpSpPr/>
+        <p:nvPr/>
+      </p:nvGrpSpPr>
+      <p:grpSpPr>
+        <a:xfrm>
+          <a:off x="0" y="0"/>
+          <a:ext cx="0" cy="0"/>
+          <a:chOff x="0" y="0"/>
+          <a:chExt cx="0" cy="0"/>
+        </a:xfrm>
+      </p:grpSpPr>
+      <p:pic>
+        <p:nvPicPr>
+          <p:cNvPr id="2" name="Picture 1"/>
+          <p:cNvPicPr>
+            <a:picLocks noChangeAspect="1"/>
+          </p:cNvPicPr>
+          <p:nvPr/>
+        </p:nvPicPr>
+        <p:blipFill>
+          <a:blip r:embed="rId2"/>
+          <a:stretch>
+            <a:fillRect/>
+          </a:stretch>
+        </p:blipFill>
+        <p:spPr>
+          <a:xfrm>
+            <a:off x="280554" y="100352"/>
+            <a:ext cx="9299864" cy="6607254"/>
+          </a:xfrm>
+          <a:prstGeom prst="rect">
+            <a:avLst/>
+          </a:prstGeom>
+        </p:spPr>
+      </p:pic>
+    </p:spTree>
+    <p:extLst>
+      <p:ext uri="{BB962C8B-B14F-4D97-AF65-F5344CB8AC3E}">
+        <p14:creationId xmlns:p14="http://schemas.microsoft.com/office/powerpoint/2010/main" val="3956808698"/>
+      </p:ext>
+    </p:extLst>
+  </p:cSld>
+  <p:clrMapOvr>
+    <a:masterClrMapping/>
+  </p:clrMapOvr>
+  <p:timing>
+    <p:tnLst>
+      <p:par>
+        <p:cTn id="1" dur="indefinite" restart="never" nodeType="tmRoot"/>
+      </p:par>
+    </p:tnLst>
+  </p:timing>
+</p:sld>
+</file>
+
+<file path=ppt/slides/slide23.xml><?xml version="1.0" encoding="utf-8"?>
+<p:sld xmlns:a="http://schemas.openxmlformats.org/drawingml/2006/main" xmlns:r="http://schemas.openxmlformats.org/officeDocument/2006/relationships" xmlns:p="http://schemas.openxmlformats.org/presentationml/2006/main">
+  <p:cSld>
+    <p:spTree>
+      <p:nvGrpSpPr>
+        <p:cNvPr id="1" name=""/>
+        <p:cNvGrpSpPr/>
+        <p:nvPr/>
+      </p:nvGrpSpPr>
+      <p:grpSpPr>
+        <a:xfrm>
+          <a:off x="0" y="0"/>
+          <a:ext cx="0" cy="0"/>
+          <a:chOff x="0" y="0"/>
+          <a:chExt cx="0" cy="0"/>
+        </a:xfrm>
+      </p:grpSpPr>
+      <p:pic>
+        <p:nvPicPr>
+          <p:cNvPr id="3" name="Picture 2"/>
+          <p:cNvPicPr>
+            <a:picLocks noChangeAspect="1"/>
+          </p:cNvPicPr>
+          <p:nvPr/>
+        </p:nvPicPr>
+        <p:blipFill>
+          <a:blip r:embed="rId2"/>
+          <a:stretch>
+            <a:fillRect/>
+          </a:stretch>
+        </p:blipFill>
+        <p:spPr>
+          <a:xfrm>
+            <a:off x="228603" y="107301"/>
+            <a:ext cx="9164780" cy="6580118"/>
+          </a:xfrm>
+          <a:prstGeom prst="rect">
+            <a:avLst/>
+          </a:prstGeom>
+        </p:spPr>
+      </p:pic>
+    </p:spTree>
+    <p:extLst>
+      <p:ext uri="{BB962C8B-B14F-4D97-AF65-F5344CB8AC3E}">
+        <p14:creationId xmlns:p14="http://schemas.microsoft.com/office/powerpoint/2010/main" val="4175637652"/>
+      </p:ext>
+    </p:extLst>
+  </p:cSld>
+  <p:clrMapOvr>
+    <a:masterClrMapping/>
+  </p:clrMapOvr>
+  <p:timing>
+    <p:tnLst>
+      <p:par>
+        <p:cTn id="1" dur="indefinite" restart="never" nodeType="tmRoot"/>
+      </p:par>
+    </p:tnLst>
+  </p:timing>
+</p:sld>
+</file>
+
+<file path=ppt/slides/slide24.xml><?xml version="1.0" encoding="utf-8"?>
+<p:sld xmlns:a="http://schemas.openxmlformats.org/drawingml/2006/main" xmlns:r="http://schemas.openxmlformats.org/officeDocument/2006/relationships" xmlns:p="http://schemas.openxmlformats.org/presentationml/2006/main">
+  <p:cSld>
+    <p:spTree>
+      <p:nvGrpSpPr>
+        <p:cNvPr id="1" name=""/>
+        <p:cNvGrpSpPr/>
+        <p:nvPr/>
+      </p:nvGrpSpPr>
+      <p:grpSpPr>
+        <a:xfrm>
+          <a:off x="0" y="0"/>
+          <a:ext cx="0" cy="0"/>
+          <a:chOff x="0" y="0"/>
+          <a:chExt cx="0" cy="0"/>
+        </a:xfrm>
+      </p:grpSpPr>
+      <p:pic>
+        <p:nvPicPr>
+          <p:cNvPr id="2" name="Picture 1"/>
+          <p:cNvPicPr>
+            <a:picLocks noChangeAspect="1"/>
+          </p:cNvPicPr>
+          <p:nvPr/>
+        </p:nvPicPr>
+        <p:blipFill>
+          <a:blip r:embed="rId2"/>
+          <a:stretch>
+            <a:fillRect/>
+          </a:stretch>
+        </p:blipFill>
+        <p:spPr>
+          <a:xfrm>
+            <a:off x="186170" y="0"/>
+            <a:ext cx="8978612" cy="6675587"/>
+          </a:xfrm>
+          <a:prstGeom prst="rect">
+            <a:avLst/>
+          </a:prstGeom>
+        </p:spPr>
+      </p:pic>
+    </p:spTree>
+    <p:extLst>
+      <p:ext uri="{BB962C8B-B14F-4D97-AF65-F5344CB8AC3E}">
+        <p14:creationId xmlns:p14="http://schemas.microsoft.com/office/powerpoint/2010/main" val="1289755537"/>
+      </p:ext>
+    </p:extLst>
+  </p:cSld>
+  <p:clrMapOvr>
+    <a:masterClrMapping/>
+  </p:clrMapOvr>
+  <p:timing>
+    <p:tnLst>
+      <p:par>
+        <p:cTn id="1" dur="indefinite" restart="never" nodeType="tmRoot"/>
+      </p:par>
+    </p:tnLst>
+  </p:timing>
+</p:sld>
+</file>
+
+<file path=ppt/slides/slide25.xml><?xml version="1.0" encoding="utf-8"?>
+<p:sld xmlns:a="http://schemas.openxmlformats.org/drawingml/2006/main" xmlns:r="http://schemas.openxmlformats.org/officeDocument/2006/relationships" xmlns:p="http://schemas.openxmlformats.org/presentationml/2006/main">
+  <p:cSld>
+    <p:spTree>
+      <p:nvGrpSpPr>
+        <p:cNvPr id="1" name=""/>
+        <p:cNvGrpSpPr/>
+        <p:nvPr/>
+      </p:nvGrpSpPr>
+      <p:grpSpPr>
+        <a:xfrm>
+          <a:off x="0" y="0"/>
+          <a:ext cx="0" cy="0"/>
+          <a:chOff x="0" y="0"/>
+          <a:chExt cx="0" cy="0"/>
+        </a:xfrm>
+      </p:grpSpPr>
+      <p:pic>
+        <p:nvPicPr>
+          <p:cNvPr id="3" name="Picture 2"/>
+          <p:cNvPicPr>
+            <a:picLocks noChangeAspect="1"/>
+          </p:cNvPicPr>
+          <p:nvPr/>
+        </p:nvPicPr>
+        <p:blipFill>
+          <a:blip r:embed="rId2"/>
+          <a:stretch>
+            <a:fillRect/>
+          </a:stretch>
+        </p:blipFill>
+        <p:spPr>
+          <a:xfrm>
+            <a:off x="270164" y="131880"/>
+            <a:ext cx="8406245" cy="6668695"/>
+          </a:xfrm>
+          <a:prstGeom prst="rect">
+            <a:avLst/>
+          </a:prstGeom>
+        </p:spPr>
+      </p:pic>
+    </p:spTree>
+    <p:extLst>
+      <p:ext uri="{BB962C8B-B14F-4D97-AF65-F5344CB8AC3E}">
+        <p14:creationId xmlns:p14="http://schemas.microsoft.com/office/powerpoint/2010/main" val="2226033895"/>
+      </p:ext>
+    </p:extLst>
+  </p:cSld>
+  <p:clrMapOvr>
+    <a:masterClrMapping/>
+  </p:clrMapOvr>
+  <p:timing>
+    <p:tnLst>
+      <p:par>
+        <p:cTn id="1" dur="indefinite" restart="never" nodeType="tmRoot"/>
+      </p:par>
+    </p:tnLst>
+  </p:timing>
+</p:sld>
+</file>
+
+<file path=ppt/slides/slide26.xml><?xml version="1.0" encoding="utf-8"?>
+<p:sld xmlns:a="http://schemas.openxmlformats.org/drawingml/2006/main" xmlns:r="http://schemas.openxmlformats.org/officeDocument/2006/relationships" xmlns:p="http://schemas.openxmlformats.org/presentationml/2006/main">
+  <p:cSld>
+    <p:spTree>
+      <p:nvGrpSpPr>
+        <p:cNvPr id="1" name=""/>
+        <p:cNvGrpSpPr/>
+        <p:nvPr/>
+      </p:nvGrpSpPr>
+      <p:grpSpPr>
+        <a:xfrm>
+          <a:off x="0" y="0"/>
+          <a:ext cx="0" cy="0"/>
+          <a:chOff x="0" y="0"/>
+          <a:chExt cx="0" cy="0"/>
+        </a:xfrm>
+      </p:grpSpPr>
+      <p:pic>
+        <p:nvPicPr>
+          <p:cNvPr id="2" name="Picture 1"/>
+          <p:cNvPicPr>
+            <a:picLocks noChangeAspect="1"/>
+          </p:cNvPicPr>
+          <p:nvPr/>
+        </p:nvPicPr>
+        <p:blipFill>
+          <a:blip r:embed="rId2"/>
+          <a:stretch>
+            <a:fillRect/>
+          </a:stretch>
+        </p:blipFill>
+        <p:spPr>
+          <a:xfrm>
+            <a:off x="322118" y="308324"/>
+            <a:ext cx="9985664" cy="6434425"/>
+          </a:xfrm>
+          <a:prstGeom prst="rect">
+            <a:avLst/>
+          </a:prstGeom>
+        </p:spPr>
+      </p:pic>
+    </p:spTree>
+    <p:extLst>
+      <p:ext uri="{BB962C8B-B14F-4D97-AF65-F5344CB8AC3E}">
+        <p14:creationId xmlns:p14="http://schemas.microsoft.com/office/powerpoint/2010/main" val="3919951756"/>
+      </p:ext>
+    </p:extLst>
+  </p:cSld>
+  <p:clrMapOvr>
+    <a:masterClrMapping/>
+  </p:clrMapOvr>
+  <p:timing>
+    <p:tnLst>
+      <p:par>
+        <p:cTn id="1" dur="indefinite" restart="never" nodeType="tmRoot"/>
+      </p:par>
+    </p:tnLst>
+  </p:timing>
+</p:sld>
+</file>
+
+<file path=ppt/slides/slide27.xml><?xml version="1.0" encoding="utf-8"?>
+<p:sld xmlns:a="http://schemas.openxmlformats.org/drawingml/2006/main" xmlns:r="http://schemas.openxmlformats.org/officeDocument/2006/relationships" xmlns:p="http://schemas.openxmlformats.org/presentationml/2006/main">
+  <p:cSld>
+    <p:spTree>
+      <p:nvGrpSpPr>
+        <p:cNvPr id="1" name=""/>
+        <p:cNvGrpSpPr/>
+        <p:nvPr/>
+      </p:nvGrpSpPr>
+      <p:grpSpPr>
+        <a:xfrm>
+          <a:off x="0" y="0"/>
+          <a:ext cx="0" cy="0"/>
+          <a:chOff x="0" y="0"/>
+          <a:chExt cx="0" cy="0"/>
+        </a:xfrm>
+      </p:grpSpPr>
+      <p:pic>
+        <p:nvPicPr>
+          <p:cNvPr id="2" name="Picture 1"/>
+          <p:cNvPicPr>
+            <a:picLocks noChangeAspect="1"/>
+          </p:cNvPicPr>
+          <p:nvPr/>
+        </p:nvPicPr>
+        <p:blipFill>
+          <a:blip r:embed="rId2"/>
+          <a:stretch>
+            <a:fillRect/>
+          </a:stretch>
+        </p:blipFill>
+        <p:spPr>
+          <a:xfrm>
+            <a:off x="151101" y="268864"/>
+            <a:ext cx="9938472" cy="6567118"/>
+          </a:xfrm>
+          <a:prstGeom prst="rect">
+            <a:avLst/>
+          </a:prstGeom>
+        </p:spPr>
+      </p:pic>
+    </p:spTree>
+    <p:extLst>
+      <p:ext uri="{BB962C8B-B14F-4D97-AF65-F5344CB8AC3E}">
+        <p14:creationId xmlns:p14="http://schemas.microsoft.com/office/powerpoint/2010/main" val="971898296"/>
+      </p:ext>
+    </p:extLst>
+  </p:cSld>
+  <p:clrMapOvr>
+    <a:masterClrMapping/>
+  </p:clrMapOvr>
+  <p:timing>
+    <p:tnLst>
+      <p:par>
+        <p:cTn id="1" dur="indefinite" restart="never" nodeType="tmRoot"/>
+      </p:par>
+    </p:tnLst>
+  </p:timing>
+</p:sld>
+</file>
+
+<file path=ppt/slides/slide28.xml><?xml version="1.0" encoding="utf-8"?>
+<p:sld xmlns:a="http://schemas.openxmlformats.org/drawingml/2006/main" xmlns:r="http://schemas.openxmlformats.org/officeDocument/2006/relationships" xmlns:p="http://schemas.openxmlformats.org/presentationml/2006/main">
+  <p:cSld>
+    <p:spTree>
+      <p:nvGrpSpPr>
+        <p:cNvPr id="1" name=""/>
+        <p:cNvGrpSpPr/>
+        <p:nvPr/>
+      </p:nvGrpSpPr>
+      <p:grpSpPr>
+        <a:xfrm>
+          <a:off x="0" y="0"/>
+          <a:ext cx="0" cy="0"/>
+          <a:chOff x="0" y="0"/>
+          <a:chExt cx="0" cy="0"/>
+        </a:xfrm>
+      </p:grpSpPr>
+      <p:pic>
+        <p:nvPicPr>
+          <p:cNvPr id="4" name="Picture 3"/>
+          <p:cNvPicPr>
+            <a:picLocks noChangeAspect="1"/>
+          </p:cNvPicPr>
+          <p:nvPr/>
+        </p:nvPicPr>
+        <p:blipFill>
+          <a:blip r:embed="rId2"/>
+          <a:stretch>
+            <a:fillRect/>
+          </a:stretch>
+        </p:blipFill>
+        <p:spPr>
+          <a:xfrm>
+            <a:off x="239856" y="283585"/>
+            <a:ext cx="9111961" cy="6453436"/>
+          </a:xfrm>
+          <a:prstGeom prst="rect">
+            <a:avLst/>
+          </a:prstGeom>
+        </p:spPr>
+      </p:pic>
+    </p:spTree>
+    <p:extLst>
+      <p:ext uri="{BB962C8B-B14F-4D97-AF65-F5344CB8AC3E}">
+        <p14:creationId xmlns:p14="http://schemas.microsoft.com/office/powerpoint/2010/main" val="432988673"/>
+      </p:ext>
+    </p:extLst>
+  </p:cSld>
+  <p:clrMapOvr>
+    <a:masterClrMapping/>
+  </p:clrMapOvr>
+  <p:timing>
+    <p:tnLst>
+      <p:par>
+        <p:cTn id="1" dur="indefinite" restart="never" nodeType="tmRoot"/>
+      </p:par>
+    </p:tnLst>
+  </p:timing>
+</p:sld>
+</file>
+
+<file path=ppt/slides/slide29.xml><?xml version="1.0" encoding="utf-8"?>
+<p:sld xmlns:a="http://schemas.openxmlformats.org/drawingml/2006/main" xmlns:r="http://schemas.openxmlformats.org/officeDocument/2006/relationships" xmlns:p="http://schemas.openxmlformats.org/presentationml/2006/main">
+  <p:cSld>
+    <p:spTree>
+      <p:nvGrpSpPr>
+        <p:cNvPr id="1" name=""/>
+        <p:cNvGrpSpPr/>
+        <p:nvPr/>
+      </p:nvGrpSpPr>
+      <p:grpSpPr>
+        <a:xfrm>
+          <a:off x="0" y="0"/>
+          <a:ext cx="0" cy="0"/>
+          <a:chOff x="0" y="0"/>
+          <a:chExt cx="0" cy="0"/>
+        </a:xfrm>
+      </p:grpSpPr>
+      <p:pic>
+        <p:nvPicPr>
+          <p:cNvPr id="2" name="Picture 1"/>
+          <p:cNvPicPr>
+            <a:picLocks noChangeAspect="1"/>
+          </p:cNvPicPr>
+          <p:nvPr/>
+        </p:nvPicPr>
+        <p:blipFill>
+          <a:blip r:embed="rId2"/>
+          <a:stretch>
+            <a:fillRect/>
+          </a:stretch>
+        </p:blipFill>
+        <p:spPr>
+          <a:xfrm>
+            <a:off x="233362" y="216476"/>
+            <a:ext cx="8557347" cy="6506413"/>
+          </a:xfrm>
+          <a:prstGeom prst="rect">
+            <a:avLst/>
+          </a:prstGeom>
+        </p:spPr>
+      </p:pic>
+    </p:spTree>
+    <p:extLst>
+      <p:ext uri="{BB962C8B-B14F-4D97-AF65-F5344CB8AC3E}">
+        <p14:creationId xmlns:p14="http://schemas.microsoft.com/office/powerpoint/2010/main" val="3313200700"/>
+      </p:ext>
+    </p:extLst>
+  </p:cSld>
+  <p:clrMapOvr>
+    <a:masterClrMapping/>
+  </p:clrMapOvr>
+  <p:timing>
+    <p:tnLst>
+      <p:par>
+        <p:cTn id="1" dur="indefinite" restart="never" nodeType="tmRoot"/>
+      </p:par>
+    </p:tnLst>
+  </p:timing>
+</p:sld>
+</file>
+
+<file path=ppt/slides/slide3.xml><?xml version="1.0" encoding="utf-8"?>
+<p:sld xmlns:a="http://schemas.openxmlformats.org/drawingml/2006/main" xmlns:r="http://schemas.openxmlformats.org/officeDocument/2006/relationships" xmlns:p="http://schemas.openxmlformats.org/presentationml/2006/main">
+  <p:cSld>
+    <p:spTree>
+      <p:nvGrpSpPr>
+        <p:cNvPr id="1" name=""/>
+        <p:cNvGrpSpPr/>
+        <p:nvPr/>
+      </p:nvGrpSpPr>
+      <p:grpSpPr>
+        <a:xfrm>
+          <a:off x="0" y="0"/>
+          <a:ext cx="0" cy="0"/>
+          <a:chOff x="0" y="0"/>
+          <a:chExt cx="0" cy="0"/>
+        </a:xfrm>
+      </p:grpSpPr>
       <p:sp>
         <p:nvSpPr>
           <p:cNvPr id="2" name="Rectangle 1"/>
@@ -6874,8 +7615,8 @@
         </p:nvSpPr>
         <p:spPr>
           <a:xfrm>
-            <a:off x="155864" y="207817"/>
-            <a:ext cx="11845636" cy="6689011"/>
+            <a:off x="103909" y="1"/>
+            <a:ext cx="11918373" cy="6324808"/>
           </a:xfrm>
           <a:prstGeom prst="rect">
             <a:avLst/>
@@ -6887,7 +7628,7 @@
           </a:bodyPr>
           <a:lstStyle/>
           <a:p>
-            <a:pPr algn="ctr">
+            <a:pPr>
               <a:lnSpc>
                 <a:spcPct val="150000"/>
               </a:lnSpc>
@@ -6895,12 +7636,12 @@
             <a:r>
               <a:rPr lang="en-US" b="1" i="0" dirty="0" smtClean="0">
                 <a:solidFill>
-                  <a:srgbClr val="008080"/>
-                </a:solidFill>
-                <a:effectLst/>
-                <a:latin typeface="Helvetica Neue"/>
-              </a:rPr>
-              <a:t>Java Constants</a:t>
+                  <a:srgbClr val="B1520F"/>
+                </a:solidFill>
+                <a:effectLst/>
+                <a:latin typeface="Helvetica Neue"/>
+              </a:rPr>
+              <a:t>Machine Language</a:t>
             </a:r>
           </a:p>
           <a:p>
@@ -6917,17 +7658,18 @@
                 <a:effectLst/>
                 <a:latin typeface="Helvetica Neue"/>
               </a:rPr>
-              <a:t>In Java, a constant value is created by using a </a:t>
-            </a:r>
-            <a:r>
-              <a:rPr lang="en-US" b="0" i="1" dirty="0" smtClean="0">
-                <a:solidFill>
-                  <a:srgbClr val="333333"/>
-                </a:solidFill>
-                <a:effectLst/>
-                <a:latin typeface="Helvetica Neue"/>
-              </a:rPr>
-              <a:t>literal</a:t>
+              <a:t>The instructions in binary form, which can be directly understood by the computer (</a:t>
+            </a:r>
+            <a:r>
+              <a:rPr lang="en-US" b="0" i="0" u="none" strike="noStrike" dirty="0" smtClean="0">
+                <a:solidFill>
+                  <a:srgbClr val="0088CC"/>
+                </a:solidFill>
+                <a:effectLst/>
+                <a:latin typeface="Helvetica Neue"/>
+                <a:hlinkClick r:id="rId2"/>
+              </a:rPr>
+              <a:t>CPU</a:t>
             </a:r>
             <a:r>
               <a:rPr lang="en-US" b="0" i="0" dirty="0" smtClean="0">
@@ -6937,9 +7679,16 @@
                 <a:effectLst/>
                 <a:latin typeface="Helvetica Neue"/>
               </a:rPr>
-              <a:t> representation of it. For example, below are some literals :</a:t>
-            </a:r>
-            <a:br>
+              <a:t>) without translating them, is called a machine language or machine code.</a:t>
+            </a:r>
+          </a:p>
+          <a:p>
+            <a:pPr>
+              <a:lnSpc>
+                <a:spcPct val="150000"/>
+              </a:lnSpc>
+            </a:pPr>
+            <a:r>
               <a:rPr lang="en-US" b="0" i="0" dirty="0" smtClean="0">
                 <a:solidFill>
                   <a:srgbClr val="333333"/>
@@ -6947,10 +7696,685 @@
                 <a:effectLst/>
                 <a:latin typeface="Helvetica Neue"/>
               </a:rPr>
-            </a:br>
-            <a:endParaRPr lang="en-US" b="0" i="0" dirty="0" smtClean="0">
+              <a:t>Machine language is also known as first generation of programming language. Machine language is the fundamental language of the computer and the program instructions in this language is in the binary form (that is 0's and 1's).</a:t>
+            </a:r>
+          </a:p>
+          <a:p>
+            <a:pPr>
+              <a:lnSpc>
+                <a:spcPct val="150000"/>
+              </a:lnSpc>
+            </a:pPr>
+            <a:endParaRPr lang="en-US" dirty="0" smtClean="0">
               <a:solidFill>
                 <a:srgbClr val="333333"/>
+              </a:solidFill>
+              <a:latin typeface="Helvetica Neue"/>
+            </a:endParaRPr>
+          </a:p>
+          <a:p>
+            <a:pPr>
+              <a:lnSpc>
+                <a:spcPct val="150000"/>
+              </a:lnSpc>
+            </a:pPr>
+            <a:r>
+              <a:rPr lang="en-US" b="1" dirty="0" smtClean="0">
+                <a:solidFill>
+                  <a:srgbClr val="B1520F"/>
+                </a:solidFill>
+                <a:latin typeface="Helvetica Neue"/>
+              </a:rPr>
+              <a:t>Assembly Language</a:t>
+            </a:r>
+          </a:p>
+          <a:p>
+            <a:pPr>
+              <a:lnSpc>
+                <a:spcPct val="150000"/>
+              </a:lnSpc>
+            </a:pPr>
+            <a:r>
+              <a:rPr lang="en-US" dirty="0">
+                <a:solidFill>
+                  <a:srgbClr val="333333"/>
+                </a:solidFill>
+                <a:latin typeface="Helvetica Neue"/>
+              </a:rPr>
+              <a:t>It is another low-level programming language because the program instructions written in this language are close to machine language. Assembly language is also known as second generation of programming language.</a:t>
+            </a:r>
+          </a:p>
+          <a:p>
+            <a:pPr>
+              <a:lnSpc>
+                <a:spcPct val="150000"/>
+              </a:lnSpc>
+            </a:pPr>
+            <a:r>
+              <a:rPr lang="en-US" dirty="0">
+                <a:solidFill>
+                  <a:srgbClr val="333333"/>
+                </a:solidFill>
+                <a:latin typeface="Helvetica Neue"/>
+              </a:rPr>
+              <a:t>With assembly language, a programmer writes instructions using symbolic instruction code instead of binary codes.</a:t>
+            </a:r>
+          </a:p>
+          <a:p>
+            <a:pPr>
+              <a:lnSpc>
+                <a:spcPct val="150000"/>
+              </a:lnSpc>
+            </a:pPr>
+            <a:r>
+              <a:rPr lang="en-US" dirty="0">
+                <a:solidFill>
+                  <a:srgbClr val="333333"/>
+                </a:solidFill>
+                <a:latin typeface="Helvetica Neue"/>
+              </a:rPr>
+              <a:t>Symbolic codes are meaningful abbreviations such as SUB is used for substation operation, MUL for multiply operation and so on. Therefore this language is also called the low-level symbolic language.</a:t>
+            </a:r>
+          </a:p>
+          <a:p>
+            <a:pPr>
+              <a:lnSpc>
+                <a:spcPct val="150000"/>
+              </a:lnSpc>
+            </a:pPr>
+            <a:r>
+              <a:rPr lang="en-US" dirty="0">
+                <a:solidFill>
+                  <a:srgbClr val="333333"/>
+                </a:solidFill>
+                <a:latin typeface="Helvetica Neue"/>
+              </a:rPr>
+              <a:t>The set of program instructions written in assembly language are also called as mnemonic code.</a:t>
+            </a:r>
+          </a:p>
+          <a:p>
+            <a:pPr>
+              <a:lnSpc>
+                <a:spcPct val="150000"/>
+              </a:lnSpc>
+            </a:pPr>
+            <a:r>
+              <a:rPr lang="en-US" dirty="0">
+                <a:solidFill>
+                  <a:srgbClr val="333333"/>
+                </a:solidFill>
+                <a:latin typeface="Helvetica Neue"/>
+              </a:rPr>
+              <a:t>Assembly language provides facilities for controlling the hardware.</a:t>
+            </a:r>
+          </a:p>
+        </p:txBody>
+      </p:sp>
+    </p:spTree>
+    <p:extLst>
+      <p:ext uri="{BB962C8B-B14F-4D97-AF65-F5344CB8AC3E}">
+        <p14:creationId xmlns:p14="http://schemas.microsoft.com/office/powerpoint/2010/main" val="503864721"/>
+      </p:ext>
+    </p:extLst>
+  </p:cSld>
+  <p:clrMapOvr>
+    <a:masterClrMapping/>
+  </p:clrMapOvr>
+  <p:timing>
+    <p:tnLst>
+      <p:par>
+        <p:cTn id="1" dur="indefinite" restart="never" nodeType="tmRoot"/>
+      </p:par>
+    </p:tnLst>
+  </p:timing>
+</p:sld>
+</file>
+
+<file path=ppt/slides/slide30.xml><?xml version="1.0" encoding="utf-8"?>
+<p:sld xmlns:a="http://schemas.openxmlformats.org/drawingml/2006/main" xmlns:r="http://schemas.openxmlformats.org/officeDocument/2006/relationships" xmlns:p="http://schemas.openxmlformats.org/presentationml/2006/main">
+  <p:cSld>
+    <p:spTree>
+      <p:nvGrpSpPr>
+        <p:cNvPr id="1" name=""/>
+        <p:cNvGrpSpPr/>
+        <p:nvPr/>
+      </p:nvGrpSpPr>
+      <p:grpSpPr>
+        <a:xfrm>
+          <a:off x="0" y="0"/>
+          <a:ext cx="0" cy="0"/>
+          <a:chOff x="0" y="0"/>
+          <a:chExt cx="0" cy="0"/>
+        </a:xfrm>
+      </p:grpSpPr>
+      <p:pic>
+        <p:nvPicPr>
+          <p:cNvPr id="2" name="Picture 1"/>
+          <p:cNvPicPr>
+            <a:picLocks noChangeAspect="1"/>
+          </p:cNvPicPr>
+          <p:nvPr/>
+        </p:nvPicPr>
+        <p:blipFill>
+          <a:blip r:embed="rId2"/>
+          <a:stretch>
+            <a:fillRect/>
+          </a:stretch>
+        </p:blipFill>
+        <p:spPr>
+          <a:xfrm>
+            <a:off x="285750" y="282285"/>
+            <a:ext cx="11097982" cy="3458441"/>
+          </a:xfrm>
+          <a:prstGeom prst="rect">
+            <a:avLst/>
+          </a:prstGeom>
+        </p:spPr>
+      </p:pic>
+    </p:spTree>
+    <p:extLst>
+      <p:ext uri="{BB962C8B-B14F-4D97-AF65-F5344CB8AC3E}">
+        <p14:creationId xmlns:p14="http://schemas.microsoft.com/office/powerpoint/2010/main" val="2254900278"/>
+      </p:ext>
+    </p:extLst>
+  </p:cSld>
+  <p:clrMapOvr>
+    <a:masterClrMapping/>
+  </p:clrMapOvr>
+  <p:timing>
+    <p:tnLst>
+      <p:par>
+        <p:cTn id="1" dur="indefinite" restart="never" nodeType="tmRoot"/>
+      </p:par>
+    </p:tnLst>
+  </p:timing>
+</p:sld>
+</file>
+
+<file path=ppt/slides/slide31.xml><?xml version="1.0" encoding="utf-8"?>
+<p:sld xmlns:a="http://schemas.openxmlformats.org/drawingml/2006/main" xmlns:r="http://schemas.openxmlformats.org/officeDocument/2006/relationships" xmlns:p="http://schemas.openxmlformats.org/presentationml/2006/main">
+  <p:cSld>
+    <p:spTree>
+      <p:nvGrpSpPr>
+        <p:cNvPr id="1" name=""/>
+        <p:cNvGrpSpPr/>
+        <p:nvPr/>
+      </p:nvGrpSpPr>
+      <p:grpSpPr>
+        <a:xfrm>
+          <a:off x="0" y="0"/>
+          <a:ext cx="0" cy="0"/>
+          <a:chOff x="0" y="0"/>
+          <a:chExt cx="0" cy="0"/>
+        </a:xfrm>
+      </p:grpSpPr>
+      <p:sp>
+        <p:nvSpPr>
+          <p:cNvPr id="2" name="Rectangle 1"/>
+          <p:cNvSpPr/>
+          <p:nvPr/>
+        </p:nvSpPr>
+        <p:spPr>
+          <a:xfrm>
+            <a:off x="148935" y="182849"/>
+            <a:ext cx="11707091" cy="6324808"/>
+          </a:xfrm>
+          <a:prstGeom prst="rect">
+            <a:avLst/>
+          </a:prstGeom>
+        </p:spPr>
+        <p:txBody>
+          <a:bodyPr wrap="square">
+            <a:spAutoFit/>
+          </a:bodyPr>
+          <a:lstStyle/>
+          <a:p>
+            <a:r>
+              <a:rPr lang="en-US" b="1" dirty="0">
+                <a:solidFill>
+                  <a:srgbClr val="B1520F"/>
+                </a:solidFill>
+                <a:latin typeface="Helvetica Neue"/>
+              </a:rPr>
+              <a:t>Java Variables and </a:t>
+            </a:r>
+            <a:r>
+              <a:rPr lang="en-US" b="1" dirty="0" smtClean="0">
+                <a:solidFill>
+                  <a:srgbClr val="B1520F"/>
+                </a:solidFill>
+                <a:latin typeface="Helvetica Neue"/>
+              </a:rPr>
+              <a:t>Literals:</a:t>
+            </a:r>
+          </a:p>
+          <a:p>
+            <a:endParaRPr lang="en-US" dirty="0" smtClean="0">
+              <a:solidFill>
+                <a:srgbClr val="333333"/>
+              </a:solidFill>
+              <a:latin typeface="Helvetica Neue"/>
+            </a:endParaRPr>
+          </a:p>
+          <a:p>
+            <a:r>
+              <a:rPr lang="en-US" dirty="0" smtClean="0">
+                <a:solidFill>
+                  <a:srgbClr val="333333"/>
+                </a:solidFill>
+                <a:latin typeface="Helvetica Neue"/>
+              </a:rPr>
+              <a:t>Java Variables:  A </a:t>
+            </a:r>
+            <a:r>
+              <a:rPr lang="en-US" dirty="0">
+                <a:solidFill>
+                  <a:srgbClr val="333333"/>
+                </a:solidFill>
+                <a:latin typeface="Helvetica Neue"/>
+              </a:rPr>
+              <a:t>variable is a location in memory (storage area) to hold data.</a:t>
+            </a:r>
+          </a:p>
+          <a:p>
+            <a:endParaRPr lang="en-US" dirty="0">
+              <a:solidFill>
+                <a:srgbClr val="333333"/>
+              </a:solidFill>
+              <a:latin typeface="Helvetica Neue"/>
+            </a:endParaRPr>
+          </a:p>
+          <a:p>
+            <a:r>
+              <a:rPr lang="en-US" dirty="0">
+                <a:solidFill>
+                  <a:srgbClr val="333333"/>
+                </a:solidFill>
+                <a:latin typeface="Helvetica Neue"/>
+              </a:rPr>
+              <a:t>To indicate the storage area, each variable should be given a unique name (identifier</a:t>
+            </a:r>
+            <a:r>
+              <a:rPr lang="en-US" dirty="0" smtClean="0">
+                <a:solidFill>
+                  <a:srgbClr val="333333"/>
+                </a:solidFill>
+                <a:latin typeface="Helvetica Neue"/>
+              </a:rPr>
+              <a:t>).</a:t>
+            </a:r>
+          </a:p>
+          <a:p>
+            <a:endParaRPr lang="en-US" dirty="0">
+              <a:solidFill>
+                <a:srgbClr val="333333"/>
+              </a:solidFill>
+              <a:latin typeface="Helvetica Neue"/>
+            </a:endParaRPr>
+          </a:p>
+          <a:p>
+            <a:pPr>
+              <a:lnSpc>
+                <a:spcPct val="150000"/>
+              </a:lnSpc>
+            </a:pPr>
+            <a:r>
+              <a:rPr lang="en-US" b="1" dirty="0">
+                <a:solidFill>
+                  <a:srgbClr val="B1520F"/>
+                </a:solidFill>
+                <a:latin typeface="Helvetica Neue"/>
+              </a:rPr>
+              <a:t>Identifiers in Java</a:t>
+            </a:r>
+          </a:p>
+          <a:p>
+            <a:pPr>
+              <a:lnSpc>
+                <a:spcPct val="150000"/>
+              </a:lnSpc>
+            </a:pPr>
+            <a:r>
+              <a:rPr lang="en-US" dirty="0">
+                <a:solidFill>
+                  <a:srgbClr val="333333"/>
+                </a:solidFill>
+                <a:latin typeface="Helvetica Neue"/>
+              </a:rPr>
+              <a:t>In Java, an identifiers are used to name things, such as classes, variables, and methods.</a:t>
+            </a:r>
+          </a:p>
+          <a:p>
+            <a:pPr>
+              <a:lnSpc>
+                <a:spcPct val="150000"/>
+              </a:lnSpc>
+            </a:pPr>
+            <a:r>
+              <a:rPr lang="en-US" dirty="0">
+                <a:solidFill>
+                  <a:srgbClr val="333333"/>
+                </a:solidFill>
+                <a:latin typeface="Helvetica Neue"/>
+              </a:rPr>
+              <a:t>An identifier may be any sequence of uppercase and lowercase letters, number or the underscore and dollar-sign characters. As you know, Java is case-sensitive, therefore, </a:t>
+            </a:r>
+            <a:r>
+              <a:rPr lang="en-US" b="1" dirty="0">
+                <a:solidFill>
+                  <a:srgbClr val="333333"/>
+                </a:solidFill>
+                <a:latin typeface="Helvetica Neue"/>
+              </a:rPr>
+              <a:t>VALUE</a:t>
+            </a:r>
+            <a:r>
+              <a:rPr lang="en-US" dirty="0">
+                <a:solidFill>
+                  <a:srgbClr val="333333"/>
+                </a:solidFill>
+                <a:latin typeface="Helvetica Neue"/>
+              </a:rPr>
+              <a:t> is a different identifier than </a:t>
+            </a:r>
+            <a:r>
+              <a:rPr lang="en-US" b="1" dirty="0">
+                <a:solidFill>
+                  <a:srgbClr val="333333"/>
+                </a:solidFill>
+                <a:latin typeface="Helvetica Neue"/>
+              </a:rPr>
+              <a:t>Value</a:t>
+            </a:r>
+            <a:r>
+              <a:rPr lang="en-US" dirty="0">
+                <a:solidFill>
+                  <a:srgbClr val="333333"/>
+                </a:solidFill>
+                <a:latin typeface="Helvetica Neue"/>
+              </a:rPr>
+              <a:t>.</a:t>
+            </a:r>
+          </a:p>
+          <a:p>
+            <a:pPr>
+              <a:lnSpc>
+                <a:spcPct val="150000"/>
+              </a:lnSpc>
+            </a:pPr>
+            <a:r>
+              <a:rPr lang="en-US" dirty="0">
+                <a:solidFill>
+                  <a:srgbClr val="333333"/>
+                </a:solidFill>
+                <a:latin typeface="Helvetica Neue"/>
+              </a:rPr>
+              <a:t>Following are the rules to declare Identifiers in Java:</a:t>
+            </a:r>
+          </a:p>
+          <a:p>
+            <a:pPr>
+              <a:lnSpc>
+                <a:spcPct val="150000"/>
+              </a:lnSpc>
+              <a:buFont typeface="Arial" panose="020B0604020202020204" pitchFamily="34" charset="0"/>
+              <a:buChar char="•"/>
+            </a:pPr>
+            <a:r>
+              <a:rPr lang="en-US" dirty="0" smtClean="0">
+                <a:solidFill>
+                  <a:srgbClr val="333333"/>
+                </a:solidFill>
+                <a:latin typeface="Helvetica Neue"/>
+              </a:rPr>
+              <a:t>All identifiers can begin with a letter (A to Z or a to z) or dollar currency character ($) or an underscore (_).</a:t>
+            </a:r>
+          </a:p>
+          <a:p>
+            <a:pPr>
+              <a:lnSpc>
+                <a:spcPct val="150000"/>
+              </a:lnSpc>
+              <a:buFont typeface="Arial" panose="020B0604020202020204" pitchFamily="34" charset="0"/>
+              <a:buChar char="•"/>
+            </a:pPr>
+            <a:r>
+              <a:rPr lang="en-US" dirty="0" smtClean="0">
+                <a:solidFill>
+                  <a:srgbClr val="333333"/>
+                </a:solidFill>
+                <a:latin typeface="Helvetica Neue"/>
+              </a:rPr>
+              <a:t>After the first character identifiers can have any combination of characters.</a:t>
+            </a:r>
+          </a:p>
+          <a:p>
+            <a:pPr>
+              <a:lnSpc>
+                <a:spcPct val="150000"/>
+              </a:lnSpc>
+              <a:buFont typeface="Arial" panose="020B0604020202020204" pitchFamily="34" charset="0"/>
+              <a:buChar char="•"/>
+            </a:pPr>
+            <a:r>
+              <a:rPr lang="en-US" dirty="0" smtClean="0">
+                <a:solidFill>
+                  <a:srgbClr val="333333"/>
+                </a:solidFill>
+                <a:latin typeface="Helvetica Neue"/>
+              </a:rPr>
+              <a:t>Most </a:t>
+            </a:r>
+            <a:r>
+              <a:rPr lang="en-US" dirty="0">
+                <a:solidFill>
+                  <a:srgbClr val="333333"/>
+                </a:solidFill>
+                <a:latin typeface="Helvetica Neue"/>
+              </a:rPr>
+              <a:t>importantly identifiers are case-sensitive.</a:t>
+            </a:r>
+          </a:p>
+          <a:p>
+            <a:pPr>
+              <a:lnSpc>
+                <a:spcPct val="150000"/>
+              </a:lnSpc>
+              <a:buFont typeface="Arial" panose="020B0604020202020204" pitchFamily="34" charset="0"/>
+              <a:buChar char="•"/>
+            </a:pPr>
+            <a:r>
+              <a:rPr lang="en-US" dirty="0">
+                <a:solidFill>
+                  <a:srgbClr val="333333"/>
+                </a:solidFill>
+                <a:latin typeface="Helvetica Neue"/>
+              </a:rPr>
+              <a:t>A keyword cannot be used as an identifier since it has reserved words and have some special meaning.</a:t>
+            </a:r>
+          </a:p>
+          <a:p>
+            <a:pPr>
+              <a:lnSpc>
+                <a:spcPct val="150000"/>
+              </a:lnSpc>
+              <a:buFont typeface="Arial" panose="020B0604020202020204" pitchFamily="34" charset="0"/>
+              <a:buChar char="•"/>
+            </a:pPr>
+            <a:r>
+              <a:rPr lang="en-US" dirty="0">
+                <a:solidFill>
+                  <a:srgbClr val="333333"/>
+                </a:solidFill>
+                <a:latin typeface="Helvetica Neue"/>
+              </a:rPr>
+              <a:t>Examples of illegal identifiers: 123abc, -salary etc.</a:t>
+            </a:r>
+          </a:p>
+          <a:p>
+            <a:pPr>
+              <a:lnSpc>
+                <a:spcPct val="150000"/>
+              </a:lnSpc>
+              <a:buFont typeface="Arial" panose="020B0604020202020204" pitchFamily="34" charset="0"/>
+              <a:buChar char="•"/>
+            </a:pPr>
+            <a:r>
+              <a:rPr lang="en-US" dirty="0">
+                <a:solidFill>
+                  <a:srgbClr val="333333"/>
+                </a:solidFill>
+                <a:latin typeface="Helvetica Neue"/>
+              </a:rPr>
+              <a:t>Examples of legal identifiers: </a:t>
+            </a:r>
+            <a:r>
+              <a:rPr lang="en-US" dirty="0" err="1">
+                <a:solidFill>
+                  <a:srgbClr val="333333"/>
+                </a:solidFill>
+                <a:latin typeface="Helvetica Neue"/>
+              </a:rPr>
+              <a:t>AvgTemp</a:t>
+            </a:r>
+            <a:r>
+              <a:rPr lang="en-US" dirty="0">
+                <a:solidFill>
+                  <a:srgbClr val="333333"/>
+                </a:solidFill>
+                <a:latin typeface="Helvetica Neue"/>
+              </a:rPr>
+              <a:t>, count, a4, </a:t>
+            </a:r>
+            <a:r>
+              <a:rPr lang="en-US" dirty="0" err="1" smtClean="0">
+                <a:solidFill>
+                  <a:srgbClr val="333333"/>
+                </a:solidFill>
+                <a:latin typeface="Helvetica Neue"/>
+              </a:rPr>
+              <a:t>this_is_ok</a:t>
+            </a:r>
+            <a:r>
+              <a:rPr lang="en-US" dirty="0">
+                <a:solidFill>
+                  <a:srgbClr val="333333"/>
+                </a:solidFill>
+                <a:latin typeface="Helvetica Neue"/>
+              </a:rPr>
+              <a:t>, age, $salary, _value, __1_value, customers </a:t>
+            </a:r>
+            <a:r>
+              <a:rPr lang="en-US" dirty="0" err="1">
+                <a:solidFill>
+                  <a:srgbClr val="333333"/>
+                </a:solidFill>
+                <a:latin typeface="Helvetica Neue"/>
+              </a:rPr>
+              <a:t>etc</a:t>
+            </a:r>
+            <a:r>
+              <a:rPr lang="en-US" dirty="0" smtClean="0">
+                <a:solidFill>
+                  <a:srgbClr val="333333"/>
+                </a:solidFill>
+                <a:latin typeface="Helvetica Neue"/>
+              </a:rPr>
+              <a:t> </a:t>
+            </a:r>
+            <a:endParaRPr lang="en-US" dirty="0">
+              <a:solidFill>
+                <a:srgbClr val="333333"/>
+              </a:solidFill>
+              <a:latin typeface="Helvetica Neue"/>
+            </a:endParaRPr>
+          </a:p>
+        </p:txBody>
+      </p:sp>
+    </p:spTree>
+    <p:extLst>
+      <p:ext uri="{BB962C8B-B14F-4D97-AF65-F5344CB8AC3E}">
+        <p14:creationId xmlns:p14="http://schemas.microsoft.com/office/powerpoint/2010/main" val="2526230860"/>
+      </p:ext>
+    </p:extLst>
+  </p:cSld>
+  <p:clrMapOvr>
+    <a:masterClrMapping/>
+  </p:clrMapOvr>
+  <p:timing>
+    <p:tnLst>
+      <p:par>
+        <p:cTn id="1" dur="indefinite" restart="never" nodeType="tmRoot"/>
+      </p:par>
+    </p:tnLst>
+  </p:timing>
+</p:sld>
+</file>
+
+<file path=ppt/slides/slide32.xml><?xml version="1.0" encoding="utf-8"?>
+<p:sld xmlns:a="http://schemas.openxmlformats.org/drawingml/2006/main" xmlns:r="http://schemas.openxmlformats.org/officeDocument/2006/relationships" xmlns:p="http://schemas.openxmlformats.org/presentationml/2006/main">
+  <p:cSld>
+    <p:spTree>
+      <p:nvGrpSpPr>
+        <p:cNvPr id="1" name=""/>
+        <p:cNvGrpSpPr/>
+        <p:nvPr/>
+      </p:nvGrpSpPr>
+      <p:grpSpPr>
+        <a:xfrm>
+          <a:off x="0" y="0"/>
+          <a:ext cx="0" cy="0"/>
+          <a:chOff x="0" y="0"/>
+          <a:chExt cx="0" cy="0"/>
+        </a:xfrm>
+      </p:grpSpPr>
+      <p:sp>
+        <p:nvSpPr>
+          <p:cNvPr id="2" name="Rectangle 1"/>
+          <p:cNvSpPr/>
+          <p:nvPr/>
+        </p:nvSpPr>
+        <p:spPr>
+          <a:xfrm>
+            <a:off x="155863" y="207816"/>
+            <a:ext cx="11907981" cy="6037119"/>
+          </a:xfrm>
+          <a:prstGeom prst="rect">
+            <a:avLst/>
+          </a:prstGeom>
+        </p:spPr>
+        <p:txBody>
+          <a:bodyPr wrap="square">
+            <a:spAutoFit/>
+          </a:bodyPr>
+          <a:lstStyle/>
+          <a:p>
+            <a:pPr>
+              <a:lnSpc>
+                <a:spcPct val="150000"/>
+              </a:lnSpc>
+            </a:pPr>
+            <a:r>
+              <a:rPr lang="en-US" b="1" dirty="0">
+                <a:solidFill>
+                  <a:srgbClr val="B1520F"/>
+                </a:solidFill>
+                <a:latin typeface="Helvetica Neue"/>
+              </a:rPr>
+              <a:t>Java </a:t>
+            </a:r>
+            <a:r>
+              <a:rPr lang="en-US" b="1" dirty="0" smtClean="0">
+                <a:solidFill>
+                  <a:srgbClr val="B1520F"/>
+                </a:solidFill>
+                <a:latin typeface="Helvetica Neue"/>
+              </a:rPr>
+              <a:t>Literals</a:t>
+            </a:r>
+            <a:endParaRPr lang="en-US" b="1" i="0" dirty="0" smtClean="0">
+              <a:solidFill>
+                <a:srgbClr val="008080"/>
               </a:solidFill>
               <a:effectLst/>
               <a:latin typeface="Helvetica Neue"/>
@@ -6961,6 +8385,72 @@
               <a:lnSpc>
                 <a:spcPct val="150000"/>
               </a:lnSpc>
+            </a:pPr>
+            <a:r>
+              <a:rPr lang="en-US" b="0" i="0" dirty="0" smtClean="0">
+                <a:solidFill>
+                  <a:srgbClr val="333333"/>
+                </a:solidFill>
+                <a:effectLst/>
+                <a:latin typeface="Helvetica Neue"/>
+              </a:rPr>
+              <a:t>In Java, a constant value is created by using a </a:t>
+            </a:r>
+            <a:r>
+              <a:rPr lang="en-US" b="0" i="1" dirty="0" smtClean="0">
+                <a:solidFill>
+                  <a:srgbClr val="333333"/>
+                </a:solidFill>
+                <a:effectLst/>
+                <a:latin typeface="Helvetica Neue"/>
+              </a:rPr>
+              <a:t>literal</a:t>
+            </a:r>
+            <a:r>
+              <a:rPr lang="en-US" b="0" i="0" dirty="0" smtClean="0">
+                <a:solidFill>
+                  <a:srgbClr val="333333"/>
+                </a:solidFill>
+                <a:effectLst/>
+                <a:latin typeface="Helvetica Neue"/>
+              </a:rPr>
+              <a:t> representation of it. For example, below are some literals :</a:t>
+            </a:r>
+            <a:br>
+              <a:rPr lang="en-US" b="0" i="0" dirty="0" smtClean="0">
+                <a:solidFill>
+                  <a:srgbClr val="333333"/>
+                </a:solidFill>
+                <a:effectLst/>
+                <a:latin typeface="Helvetica Neue"/>
+              </a:rPr>
+            </a:br>
+            <a:r>
+              <a:rPr lang="en-US" b="1" i="0" dirty="0" smtClean="0">
+                <a:solidFill>
+                  <a:srgbClr val="333333"/>
+                </a:solidFill>
+                <a:effectLst/>
+                <a:latin typeface="Helvetica Neue"/>
+              </a:rPr>
+              <a:t>100</a:t>
+            </a:r>
+            <a:r>
+              <a:rPr lang="en-US" b="0" i="0" dirty="0" smtClean="0">
+                <a:solidFill>
+                  <a:srgbClr val="333333"/>
+                </a:solidFill>
+                <a:effectLst/>
+                <a:latin typeface="Helvetica Neue"/>
+              </a:rPr>
+              <a:t> - specifies an integer literal</a:t>
+            </a:r>
+          </a:p>
+          <a:p>
+            <a:pPr>
+              <a:lnSpc>
+                <a:spcPct val="150000"/>
+              </a:lnSpc>
               <a:buFont typeface="Arial" panose="020B0604020202020204" pitchFamily="34" charset="0"/>
               <a:buChar char="•"/>
             </a:pPr>
@@ -6972,7 +8462,7 @@
                 <a:effectLst/>
                 <a:latin typeface="Helvetica Neue"/>
               </a:rPr>
-              <a:t>100</a:t>
+              <a:t>98.6</a:t>
             </a:r>
             <a:r>
               <a:rPr lang="en-US" b="0" i="0" dirty="0" smtClean="0">
@@ -6982,7 +8472,7 @@
                 <a:effectLst/>
                 <a:latin typeface="Helvetica Neue"/>
               </a:rPr>
-              <a:t> - specifies an integer literal</a:t>
+              <a:t> - specifies a floating-point literal</a:t>
             </a:r>
           </a:p>
           <a:p>
@@ -7001,7 +8491,7 @@
                 <a:effectLst/>
                 <a:latin typeface="Helvetica Neue"/>
               </a:rPr>
-              <a:t>98.6</a:t>
+              <a:t>'X'</a:t>
             </a:r>
             <a:r>
               <a:rPr lang="en-US" b="0" i="0" dirty="0" smtClean="0">
@@ -7011,7 +8501,7 @@
                 <a:effectLst/>
                 <a:latin typeface="Helvetica Neue"/>
               </a:rPr>
-              <a:t> - specifies a floating-point literal</a:t>
+              <a:t> - specifies a character constant</a:t>
             </a:r>
           </a:p>
           <a:p>
@@ -7030,7 +8520,7 @@
                 <a:effectLst/>
                 <a:latin typeface="Helvetica Neue"/>
               </a:rPr>
-              <a:t>'X'</a:t>
+              <a:t>"This is a test"</a:t>
             </a:r>
             <a:r>
               <a:rPr lang="en-US" b="0" i="0" dirty="0" smtClean="0">
@@ -7040,7 +8530,58 @@
                 <a:effectLst/>
                 <a:latin typeface="Helvetica Neue"/>
               </a:rPr>
-              <a:t> - specifies a character constant</a:t>
+              <a:t> - this literal specifies a string literal</a:t>
+            </a:r>
+          </a:p>
+          <a:p>
+            <a:pPr>
+              <a:lnSpc>
+                <a:spcPct val="150000"/>
+              </a:lnSpc>
+            </a:pPr>
+            <a:r>
+              <a:rPr lang="en-US" b="0" i="0" dirty="0" smtClean="0">
+                <a:solidFill>
+                  <a:srgbClr val="333333"/>
+                </a:solidFill>
+                <a:effectLst/>
+                <a:latin typeface="Helvetica Neue"/>
+              </a:rPr>
+              <a:t>A literal can be used anywhere a value of its type is allowed.</a:t>
+            </a:r>
+          </a:p>
+          <a:p>
+            <a:pPr>
+              <a:lnSpc>
+                <a:spcPct val="150000"/>
+              </a:lnSpc>
+            </a:pPr>
+            <a:r>
+              <a:rPr lang="en-US" b="1" i="0" dirty="0" smtClean="0">
+                <a:solidFill>
+                  <a:srgbClr val="B1520F"/>
+                </a:solidFill>
+                <a:effectLst/>
+                <a:latin typeface="Helvetica Neue"/>
+              </a:rPr>
+              <a:t>Types of Literals</a:t>
+            </a:r>
+          </a:p>
+          <a:p>
+            <a:pPr>
+              <a:lnSpc>
+                <a:spcPct val="150000"/>
+              </a:lnSpc>
+            </a:pPr>
+            <a:r>
+              <a:rPr lang="en-US" b="0" i="0" dirty="0" smtClean="0">
+                <a:solidFill>
+                  <a:srgbClr val="333333"/>
+                </a:solidFill>
+                <a:effectLst/>
+                <a:latin typeface="Helvetica Neue"/>
+              </a:rPr>
+              <a:t>In Java, there are the following types of literals:</a:t>
             </a:r>
           </a:p>
           <a:p>
@@ -7052,75 +8593,13 @@
               <a:buChar char="•"/>
             </a:pPr>
             <a:r>
-              <a:rPr lang="en-US" b="1" i="0" dirty="0" smtClean="0">
-                <a:solidFill>
-                  <a:srgbClr val="333333"/>
-                </a:solidFill>
-                <a:effectLst/>
-                <a:latin typeface="Helvetica Neue"/>
-              </a:rPr>
-              <a:t>"This is a test"</a:t>
-            </a:r>
-            <a:r>
-              <a:rPr lang="en-US" b="0" i="0" dirty="0" smtClean="0">
-                <a:solidFill>
-                  <a:srgbClr val="333333"/>
-                </a:solidFill>
-                <a:effectLst/>
-                <a:latin typeface="Helvetica Neue"/>
-              </a:rPr>
-              <a:t> - this literal specifies a string literal</a:t>
-            </a:r>
-          </a:p>
-          <a:p>
-            <a:pPr>
-              <a:lnSpc>
-                <a:spcPct val="150000"/>
-              </a:lnSpc>
-            </a:pPr>
-            <a:r>
-              <a:rPr lang="en-US" b="0" i="0" dirty="0" smtClean="0">
-                <a:solidFill>
-                  <a:srgbClr val="333333"/>
-                </a:solidFill>
-                <a:effectLst/>
-                <a:latin typeface="Helvetica Neue"/>
-              </a:rPr>
-              <a:t>A literal can be used anywhere a value of its type is allowed.</a:t>
-            </a:r>
-          </a:p>
-          <a:p>
-            <a:pPr>
-              <a:lnSpc>
-                <a:spcPct val="150000"/>
-              </a:lnSpc>
-            </a:pPr>
-            <a:r>
-              <a:rPr lang="en-US" b="1" i="0" dirty="0" smtClean="0">
-                <a:solidFill>
-                  <a:srgbClr val="B1520F"/>
-                </a:solidFill>
-                <a:effectLst/>
-                <a:latin typeface="Helvetica Neue"/>
-              </a:rPr>
-              <a:t>Types of Literals</a:t>
-            </a:r>
-          </a:p>
-          <a:p>
-            <a:pPr>
-              <a:lnSpc>
-                <a:spcPct val="150000"/>
-              </a:lnSpc>
-            </a:pPr>
-            <a:r>
-              <a:rPr lang="en-US" b="0" i="0" dirty="0" smtClean="0">
-                <a:solidFill>
-                  <a:srgbClr val="333333"/>
-                </a:solidFill>
-                <a:effectLst/>
-                <a:latin typeface="Helvetica Neue"/>
-              </a:rPr>
-              <a:t>In Java, there are the following types of literals:</a:t>
+              <a:rPr lang="en-US" dirty="0">
+                <a:solidFill>
+                  <a:srgbClr val="333333"/>
+                </a:solidFill>
+                <a:latin typeface="Helvetica Neue"/>
+              </a:rPr>
+              <a:t>Boolean Literals</a:t>
             </a:r>
           </a:p>
           <a:p>
@@ -7177,7 +8656,7 @@
                 <a:effectLst/>
                 <a:latin typeface="Helvetica Neue"/>
               </a:rPr>
-              <a:t>Boolean Literals</a:t>
+              <a:t>Character Literals</a:t>
             </a:r>
           </a:p>
           <a:p>
@@ -7196,51 +8675,8 @@
                 <a:effectLst/>
                 <a:latin typeface="Helvetica Neue"/>
               </a:rPr>
-              <a:t>Character Literals</a:t>
-            </a:r>
-          </a:p>
-          <a:p>
-            <a:pPr>
-              <a:lnSpc>
-                <a:spcPct val="150000"/>
-              </a:lnSpc>
-              <a:buFont typeface="Arial" panose="020B0604020202020204" pitchFamily="34" charset="0"/>
-              <a:buChar char="•"/>
-            </a:pPr>
-            <a:r>
-              <a:rPr lang="en-US" b="0" i="0" dirty="0" smtClean="0">
-                <a:solidFill>
-                  <a:srgbClr val="333333"/>
-                </a:solidFill>
-                <a:effectLst/>
-                <a:latin typeface="Helvetica Neue"/>
-              </a:rPr>
               <a:t>String Literals</a:t>
             </a:r>
-          </a:p>
-          <a:p>
-            <a:pPr>
-              <a:lnSpc>
-                <a:spcPct val="150000"/>
-              </a:lnSpc>
-            </a:pPr>
-            <a:r>
-              <a:rPr lang="en-US" b="0" i="0" dirty="0" smtClean="0">
-                <a:solidFill>
-                  <a:srgbClr val="333333"/>
-                </a:solidFill>
-                <a:effectLst/>
-                <a:latin typeface="Helvetica Neue"/>
-              </a:rPr>
-              <a:t>Now let's take a look at all the above literals types in Java.</a:t>
-            </a:r>
-            <a:endParaRPr lang="en-US" b="0" i="0" dirty="0">
-              <a:solidFill>
-                <a:srgbClr val="333333"/>
-              </a:solidFill>
-              <a:effectLst/>
-              <a:latin typeface="Helvetica Neue"/>
-            </a:endParaRPr>
           </a:p>
         </p:txBody>
       </p:sp>
@@ -7264,7 +8700,7 @@
 </p:sld>
 </file>
 
-<file path=ppt/slides/slide22.xml><?xml version="1.0" encoding="utf-8"?>
+<file path=ppt/slides/slide33.xml><?xml version="1.0" encoding="utf-8"?>
 <p:sld xmlns:a="http://schemas.openxmlformats.org/drawingml/2006/main" xmlns:r="http://schemas.openxmlformats.org/officeDocument/2006/relationships" xmlns:p="http://schemas.openxmlformats.org/presentationml/2006/main">
   <p:cSld>
     <p:spTree>
@@ -7325,7 +8761,7 @@
 </p:sld>
 </file>
 
-<file path=ppt/slides/slide23.xml><?xml version="1.0" encoding="utf-8"?>
+<file path=ppt/slides/slide34.xml><?xml version="1.0" encoding="utf-8"?>
 <p:sld xmlns:a="http://schemas.openxmlformats.org/drawingml/2006/main" xmlns:r="http://schemas.openxmlformats.org/officeDocument/2006/relationships" xmlns:p="http://schemas.openxmlformats.org/presentationml/2006/main">
   <p:cSld>
     <p:spTree>
@@ -7386,7 +8822,7 @@
 </p:sld>
 </file>
 
-<file path=ppt/slides/slide24.xml><?xml version="1.0" encoding="utf-8"?>
+<file path=ppt/slides/slide35.xml><?xml version="1.0" encoding="utf-8"?>
 <p:sld xmlns:a="http://schemas.openxmlformats.org/drawingml/2006/main" xmlns:r="http://schemas.openxmlformats.org/officeDocument/2006/relationships" xmlns:p="http://schemas.openxmlformats.org/presentationml/2006/main">
   <p:cSld>
     <p:spTree>
@@ -7447,7 +8883,7 @@
 </p:sld>
 </file>
 
-<file path=ppt/slides/slide25.xml><?xml version="1.0" encoding="utf-8"?>
+<file path=ppt/slides/slide36.xml><?xml version="1.0" encoding="utf-8"?>
 <p:sld xmlns:a="http://schemas.openxmlformats.org/drawingml/2006/main" xmlns:r="http://schemas.openxmlformats.org/officeDocument/2006/relationships" xmlns:p="http://schemas.openxmlformats.org/presentationml/2006/main">
   <p:cSld>
     <p:spTree>
@@ -7508,7 +8944,7 @@
 </p:sld>
 </file>
 
-<file path=ppt/slides/slide3.xml><?xml version="1.0" encoding="utf-8"?>
+<file path=ppt/slides/slide37.xml><?xml version="1.0" encoding="utf-8"?>
 <p:sld xmlns:a="http://schemas.openxmlformats.org/drawingml/2006/main" xmlns:r="http://schemas.openxmlformats.org/officeDocument/2006/relationships" xmlns:p="http://schemas.openxmlformats.org/presentationml/2006/main">
   <p:cSld>
     <p:spTree>
@@ -7533,8 +8969,8 @@
         </p:nvSpPr>
         <p:spPr>
           <a:xfrm>
-            <a:off x="103909" y="1"/>
-            <a:ext cx="11918373" cy="6324808"/>
+            <a:off x="96980" y="283338"/>
+            <a:ext cx="12095019" cy="6324808"/>
           </a:xfrm>
           <a:prstGeom prst="rect">
             <a:avLst/>
@@ -7552,69 +8988,180 @@
               </a:lnSpc>
             </a:pPr>
             <a:r>
-              <a:rPr lang="en-US" b="1" i="0" dirty="0" smtClean="0">
+              <a:rPr lang="en-US" b="1" dirty="0">
                 <a:solidFill>
                   <a:srgbClr val="B1520F"/>
                 </a:solidFill>
-                <a:effectLst/>
-                <a:latin typeface="Helvetica Neue"/>
-              </a:rPr>
-              <a:t>Machine Language</a:t>
-            </a:r>
-          </a:p>
-          <a:p>
-            <a:pPr>
-              <a:lnSpc>
-                <a:spcPct val="150000"/>
-              </a:lnSpc>
-            </a:pPr>
-            <a:r>
-              <a:rPr lang="en-US" b="0" i="0" dirty="0" smtClean="0">
-                <a:solidFill>
-                  <a:srgbClr val="333333"/>
-                </a:solidFill>
-                <a:effectLst/>
-                <a:latin typeface="Helvetica Neue"/>
-              </a:rPr>
-              <a:t>The instructions in binary form, which can be directly understood by the computer (</a:t>
-            </a:r>
-            <a:r>
-              <a:rPr lang="en-US" b="0" i="0" u="none" strike="noStrike" dirty="0" smtClean="0">
-                <a:solidFill>
-                  <a:srgbClr val="0088CC"/>
-                </a:solidFill>
-                <a:effectLst/>
-                <a:latin typeface="Helvetica Neue"/>
-                <a:hlinkClick r:id="rId2"/>
-              </a:rPr>
-              <a:t>CPU</a:t>
-            </a:r>
-            <a:r>
-              <a:rPr lang="en-US" b="0" i="0" dirty="0" smtClean="0">
-                <a:solidFill>
-                  <a:srgbClr val="333333"/>
-                </a:solidFill>
-                <a:effectLst/>
-                <a:latin typeface="Helvetica Neue"/>
-              </a:rPr>
-              <a:t>) without translating them, is called a machine language or machine code.</a:t>
-            </a:r>
-          </a:p>
-          <a:p>
-            <a:pPr>
-              <a:lnSpc>
-                <a:spcPct val="150000"/>
-              </a:lnSpc>
-            </a:pPr>
-            <a:r>
-              <a:rPr lang="en-US" b="0" i="0" dirty="0" smtClean="0">
-                <a:solidFill>
-                  <a:srgbClr val="333333"/>
-                </a:solidFill>
-                <a:effectLst/>
-                <a:latin typeface="Helvetica Neue"/>
-              </a:rPr>
-              <a:t>Machine language is also known as first generation of programming language. Machine language is the fundamental language of the computer and the program instructions in this language is in the binary form (that is 0's and 1's).</a:t>
+                <a:latin typeface="Helvetica Neue"/>
+              </a:rPr>
+              <a:t>Java Type Casting</a:t>
+            </a:r>
+          </a:p>
+          <a:p>
+            <a:pPr>
+              <a:lnSpc>
+                <a:spcPct val="150000"/>
+              </a:lnSpc>
+            </a:pPr>
+            <a:endParaRPr lang="en-US" b="1" dirty="0" smtClean="0">
+              <a:solidFill>
+                <a:srgbClr val="333333"/>
+              </a:solidFill>
+              <a:latin typeface="Helvetica Neue"/>
+            </a:endParaRPr>
+          </a:p>
+          <a:p>
+            <a:pPr>
+              <a:lnSpc>
+                <a:spcPct val="150000"/>
+              </a:lnSpc>
+            </a:pPr>
+            <a:r>
+              <a:rPr lang="en-US" dirty="0" smtClean="0">
+                <a:solidFill>
+                  <a:srgbClr val="333333"/>
+                </a:solidFill>
+                <a:latin typeface="Helvetica Neue"/>
+              </a:rPr>
+              <a:t>The </a:t>
+            </a:r>
+            <a:r>
+              <a:rPr lang="en-US" dirty="0">
+                <a:solidFill>
+                  <a:srgbClr val="333333"/>
+                </a:solidFill>
+                <a:latin typeface="Helvetica Neue"/>
+              </a:rPr>
+              <a:t>process of converting the value of one data type (</a:t>
+            </a:r>
+            <a:r>
+              <a:rPr lang="en-US" dirty="0" err="1">
+                <a:solidFill>
+                  <a:srgbClr val="333333"/>
+                </a:solidFill>
+                <a:latin typeface="Helvetica Neue"/>
+              </a:rPr>
+              <a:t>int</a:t>
+            </a:r>
+            <a:r>
+              <a:rPr lang="en-US" dirty="0">
+                <a:solidFill>
+                  <a:srgbClr val="333333"/>
+                </a:solidFill>
+                <a:latin typeface="Helvetica Neue"/>
+              </a:rPr>
+              <a:t>, float, double, etc.) to another data type is known as typecasting.</a:t>
+            </a:r>
+          </a:p>
+          <a:p>
+            <a:pPr>
+              <a:lnSpc>
+                <a:spcPct val="150000"/>
+              </a:lnSpc>
+            </a:pPr>
+            <a:endParaRPr lang="en-US" dirty="0">
+              <a:solidFill>
+                <a:srgbClr val="333333"/>
+              </a:solidFill>
+              <a:latin typeface="Helvetica Neue"/>
+            </a:endParaRPr>
+          </a:p>
+          <a:p>
+            <a:pPr>
+              <a:lnSpc>
+                <a:spcPct val="150000"/>
+              </a:lnSpc>
+            </a:pPr>
+            <a:r>
+              <a:rPr lang="en-US" dirty="0">
+                <a:solidFill>
+                  <a:srgbClr val="333333"/>
+                </a:solidFill>
+                <a:latin typeface="Helvetica Neue"/>
+              </a:rPr>
+              <a:t>We will only focus on the major 2 types of casting </a:t>
+            </a:r>
+            <a:r>
+              <a:rPr lang="en-US" dirty="0" smtClean="0">
+                <a:solidFill>
+                  <a:srgbClr val="333333"/>
+                </a:solidFill>
+                <a:latin typeface="Helvetica Neue"/>
+              </a:rPr>
+              <a:t>.</a:t>
+            </a:r>
+          </a:p>
+          <a:p>
+            <a:pPr>
+              <a:lnSpc>
+                <a:spcPct val="150000"/>
+              </a:lnSpc>
+            </a:pPr>
+            <a:endParaRPr lang="en-US" dirty="0">
+              <a:solidFill>
+                <a:srgbClr val="333333"/>
+              </a:solidFill>
+              <a:latin typeface="Helvetica Neue"/>
+            </a:endParaRPr>
+          </a:p>
+          <a:p>
+            <a:pPr marL="342900" indent="-342900">
+              <a:lnSpc>
+                <a:spcPct val="150000"/>
+              </a:lnSpc>
+              <a:buAutoNum type="arabicPeriod"/>
+            </a:pPr>
+            <a:r>
+              <a:rPr lang="en-US" dirty="0" smtClean="0">
+                <a:solidFill>
+                  <a:srgbClr val="333333"/>
+                </a:solidFill>
+                <a:latin typeface="Helvetica Neue"/>
+              </a:rPr>
+              <a:t>Widening </a:t>
+            </a:r>
+            <a:r>
+              <a:rPr lang="en-US" dirty="0">
+                <a:solidFill>
+                  <a:srgbClr val="333333"/>
+                </a:solidFill>
+                <a:latin typeface="Helvetica Neue"/>
+              </a:rPr>
+              <a:t>Type Casting (Implicit Type Casting</a:t>
+            </a:r>
+            <a:r>
+              <a:rPr lang="en-US" dirty="0" smtClean="0">
+                <a:solidFill>
+                  <a:srgbClr val="333333"/>
+                </a:solidFill>
+                <a:latin typeface="Helvetica Neue"/>
+              </a:rPr>
+              <a:t>)</a:t>
+            </a:r>
+          </a:p>
+          <a:p>
+            <a:pPr>
+              <a:lnSpc>
+                <a:spcPct val="150000"/>
+              </a:lnSpc>
+            </a:pPr>
+            <a:r>
+              <a:rPr lang="en-US" dirty="0">
+                <a:solidFill>
+                  <a:srgbClr val="333333"/>
+                </a:solidFill>
+                <a:latin typeface="Helvetica Neue"/>
+              </a:rPr>
+              <a:t>In the case of Widening Type Casting, the lower data type (having smaller size) is converted into the higher data type (having </a:t>
+            </a:r>
+            <a:r>
+              <a:rPr lang="en-US" dirty="0" smtClean="0">
+                <a:solidFill>
+                  <a:srgbClr val="333333"/>
+                </a:solidFill>
+                <a:latin typeface="Helvetica Neue"/>
+              </a:rPr>
+              <a:t>larger size). Hence there is no loss in data. This is why this type of conversion happens automatically.</a:t>
             </a:r>
           </a:p>
           <a:p>
@@ -7637,13 +9184,13 @@
               </a:lnSpc>
             </a:pPr>
             <a:r>
-              <a:rPr lang="en-US" b="1" dirty="0" smtClean="0">
-                <a:solidFill>
-                  <a:srgbClr val="B1520F"/>
-                </a:solidFill>
-                <a:latin typeface="Helvetica Neue"/>
-              </a:rPr>
-              <a:t>Assembly Language</a:t>
+              <a:rPr lang="en-US" dirty="0" smtClean="0">
+                <a:solidFill>
+                  <a:srgbClr val="333333"/>
+                </a:solidFill>
+                <a:latin typeface="Helvetica Neue"/>
+              </a:rPr>
+              <a:t>2. Narrowing Type Casting (Explicit Type Casting)</a:t>
             </a:r>
           </a:p>
           <a:p>
@@ -7659,71 +9206,7 @@
                 </a:solidFill>
                 <a:latin typeface="Helvetica Neue"/>
               </a:rPr>
-              <a:t>It is another low-level programming language because the program instructions written in this language are close to machine language. Assembly language is also known as second generation of programming language.</a:t>
-            </a:r>
-          </a:p>
-          <a:p>
-            <a:pPr>
-              <a:lnSpc>
-                <a:spcPct val="150000"/>
-              </a:lnSpc>
-            </a:pPr>
-            <a:r>
-              <a:rPr lang="en-US" dirty="0">
-                <a:solidFill>
-                  <a:srgbClr val="333333"/>
-                </a:solidFill>
-                <a:latin typeface="Helvetica Neue"/>
-              </a:rPr>
-              <a:t>With assembly language, a programmer writes instructions using symbolic instruction code instead of binary codes.</a:t>
-            </a:r>
-          </a:p>
-          <a:p>
-            <a:pPr>
-              <a:lnSpc>
-                <a:spcPct val="150000"/>
-              </a:lnSpc>
-            </a:pPr>
-            <a:r>
-              <a:rPr lang="en-US" dirty="0">
-                <a:solidFill>
-                  <a:srgbClr val="333333"/>
-                </a:solidFill>
-                <a:latin typeface="Helvetica Neue"/>
-              </a:rPr>
-              <a:t>Symbolic codes are meaningful abbreviations such as SUB is used for substation operation, MUL for multiply operation and so on. Therefore this language is also called the low-level symbolic language.</a:t>
-            </a:r>
-          </a:p>
-          <a:p>
-            <a:pPr>
-              <a:lnSpc>
-                <a:spcPct val="150000"/>
-              </a:lnSpc>
-            </a:pPr>
-            <a:r>
-              <a:rPr lang="en-US" dirty="0">
-                <a:solidFill>
-                  <a:srgbClr val="333333"/>
-                </a:solidFill>
-                <a:latin typeface="Helvetica Neue"/>
-              </a:rPr>
-              <a:t>The set of program instructions written in assembly language are also called as mnemonic code.</a:t>
-            </a:r>
-          </a:p>
-          <a:p>
-            <a:pPr>
-              <a:lnSpc>
-                <a:spcPct val="150000"/>
-              </a:lnSpc>
-            </a:pPr>
-            <a:r>
-              <a:rPr lang="en-US" dirty="0">
-                <a:solidFill>
-                  <a:srgbClr val="333333"/>
-                </a:solidFill>
-                <a:latin typeface="Helvetica Neue"/>
-              </a:rPr>
-              <a:t>Assembly language provides facilities for controlling the hardware.</a:t>
+              <a:t>In the case of Narrowing Type Casting, the higher data types (having larger size) are converted into lower data types (having smaller size). Hence there is the loss of data. This is why this type of conversion does not happen automatically.</a:t>
             </a:r>
           </a:p>
         </p:txBody>
@@ -7731,7 +9214,7 @@
     </p:spTree>
     <p:extLst>
       <p:ext uri="{BB962C8B-B14F-4D97-AF65-F5344CB8AC3E}">
-        <p14:creationId xmlns:p14="http://schemas.microsoft.com/office/powerpoint/2010/main" val="503864721"/>
+        <p14:creationId xmlns:p14="http://schemas.microsoft.com/office/powerpoint/2010/main" val="4163870244"/>
       </p:ext>
     </p:extLst>
   </p:cSld>
@@ -7745,6 +9228,121 @@
       </p:par>
     </p:tnLst>
   </p:timing>
+</p:sld>
+</file>
+
+<file path=ppt/slides/slide38.xml><?xml version="1.0" encoding="utf-8"?>
+<p:sld xmlns:a="http://schemas.openxmlformats.org/drawingml/2006/main" xmlns:r="http://schemas.openxmlformats.org/officeDocument/2006/relationships" xmlns:p="http://schemas.openxmlformats.org/presentationml/2006/main">
+  <p:cSld>
+    <p:spTree>
+      <p:nvGrpSpPr>
+        <p:cNvPr id="1" name=""/>
+        <p:cNvGrpSpPr/>
+        <p:nvPr/>
+      </p:nvGrpSpPr>
+      <p:grpSpPr>
+        <a:xfrm>
+          <a:off x="0" y="0"/>
+          <a:ext cx="0" cy="0"/>
+          <a:chOff x="0" y="0"/>
+          <a:chExt cx="0" cy="0"/>
+        </a:xfrm>
+      </p:grpSpPr>
+      <p:pic>
+        <p:nvPicPr>
+          <p:cNvPr id="4" name="Picture 3"/>
+          <p:cNvPicPr>
+            <a:picLocks noChangeAspect="1"/>
+          </p:cNvPicPr>
+          <p:nvPr/>
+        </p:nvPicPr>
+        <p:blipFill>
+          <a:blip r:embed="rId2"/>
+          <a:stretch>
+            <a:fillRect/>
+          </a:stretch>
+        </p:blipFill>
+        <p:spPr>
+          <a:xfrm>
+            <a:off x="99580" y="47625"/>
+            <a:ext cx="7753350" cy="6810375"/>
+          </a:xfrm>
+          <a:prstGeom prst="rect">
+            <a:avLst/>
+          </a:prstGeom>
+        </p:spPr>
+      </p:pic>
+    </p:spTree>
+    <p:extLst>
+      <p:ext uri="{BB962C8B-B14F-4D97-AF65-F5344CB8AC3E}">
+        <p14:creationId xmlns:p14="http://schemas.microsoft.com/office/powerpoint/2010/main" val="2036300737"/>
+      </p:ext>
+    </p:extLst>
+  </p:cSld>
+  <p:clrMapOvr>
+    <a:masterClrMapping/>
+  </p:clrMapOvr>
+  <p:timing>
+    <p:tnLst>
+      <p:par>
+        <p:cTn id="1" dur="indefinite" restart="never" nodeType="tmRoot"/>
+      </p:par>
+    </p:tnLst>
+  </p:timing>
+</p:sld>
+</file>
+
+<file path=ppt/slides/slide39.xml><?xml version="1.0" encoding="utf-8"?>
+<p:sld xmlns:a="http://schemas.openxmlformats.org/drawingml/2006/main" xmlns:r="http://schemas.openxmlformats.org/officeDocument/2006/relationships" xmlns:p="http://schemas.openxmlformats.org/presentationml/2006/main">
+  <p:cSld>
+    <p:spTree>
+      <p:nvGrpSpPr>
+        <p:cNvPr id="1" name=""/>
+        <p:cNvGrpSpPr/>
+        <p:nvPr/>
+      </p:nvGrpSpPr>
+      <p:grpSpPr>
+        <a:xfrm>
+          <a:off x="0" y="0"/>
+          <a:ext cx="0" cy="0"/>
+          <a:chOff x="0" y="0"/>
+          <a:chExt cx="0" cy="0"/>
+        </a:xfrm>
+      </p:grpSpPr>
+      <p:pic>
+        <p:nvPicPr>
+          <p:cNvPr id="2" name="Picture 1"/>
+          <p:cNvPicPr>
+            <a:picLocks noChangeAspect="1"/>
+          </p:cNvPicPr>
+          <p:nvPr/>
+        </p:nvPicPr>
+        <p:blipFill>
+          <a:blip r:embed="rId2"/>
+          <a:stretch>
+            <a:fillRect/>
+          </a:stretch>
+        </p:blipFill>
+        <p:spPr>
+          <a:xfrm>
+            <a:off x="387061" y="145473"/>
+            <a:ext cx="8247784" cy="6876564"/>
+          </a:xfrm>
+          <a:prstGeom prst="rect">
+            <a:avLst/>
+          </a:prstGeom>
+        </p:spPr>
+      </p:pic>
+    </p:spTree>
+    <p:extLst>
+      <p:ext uri="{BB962C8B-B14F-4D97-AF65-F5344CB8AC3E}">
+        <p14:creationId xmlns:p14="http://schemas.microsoft.com/office/powerpoint/2010/main" val="2904030465"/>
+      </p:ext>
+    </p:extLst>
+  </p:cSld>
+  <p:clrMapOvr>
+    <a:masterClrMapping/>
+  </p:clrMapOvr>
 </p:sld>
 </file>
 
@@ -7774,7 +9372,7 @@
         <p:spPr>
           <a:xfrm>
             <a:off x="83127" y="114300"/>
-            <a:ext cx="12108873" cy="8766502"/>
+            <a:ext cx="12108873" cy="7155805"/>
           </a:xfrm>
           <a:prstGeom prst="rect">
             <a:avLst/>
@@ -7792,7 +9390,7 @@
               </a:lnSpc>
             </a:pPr>
             <a:r>
-              <a:rPr lang="en-US" dirty="0">
+              <a:rPr lang="en-US" b="1" dirty="0">
                 <a:solidFill>
                   <a:srgbClr val="333333"/>
                 </a:solidFill>
@@ -7985,8 +9583,47 @@
               <a:lnSpc>
                 <a:spcPct val="150000"/>
               </a:lnSpc>
-              <a:buFont typeface="Arial" panose="020B0604020202020204" pitchFamily="34" charset="0"/>
-              <a:buChar char="•"/>
+            </a:pPr>
+            <a:r>
+              <a:rPr lang="en-US" dirty="0" smtClean="0">
+                <a:solidFill>
+                  <a:srgbClr val="333333"/>
+                </a:solidFill>
+                <a:latin typeface="Helvetica Neue"/>
+              </a:rPr>
+              <a:t>The </a:t>
+            </a:r>
+            <a:r>
+              <a:rPr lang="en-US" dirty="0">
+                <a:solidFill>
+                  <a:srgbClr val="333333"/>
+                </a:solidFill>
+                <a:latin typeface="Helvetica Neue"/>
+              </a:rPr>
+              <a:t>high level languages are similar to English language. The program instructions are written using English words, for example print, input etc. But each high level language has its own rule and grammar for writing program instructions. These rules are called syntax of the language.</a:t>
+            </a:r>
+          </a:p>
+          <a:p>
+            <a:pPr>
+              <a:lnSpc>
+                <a:spcPct val="150000"/>
+              </a:lnSpc>
+            </a:pPr>
+            <a:r>
+              <a:rPr lang="en-US" dirty="0">
+                <a:solidFill>
+                  <a:srgbClr val="333333"/>
+                </a:solidFill>
+                <a:latin typeface="Helvetica Neue"/>
+              </a:rPr>
+              <a:t>The program written in high level language must be translated to machine code before to run it. Each high level language has its own translator program.</a:t>
+            </a:r>
+          </a:p>
+          <a:p>
+            <a:pPr>
+              <a:lnSpc>
+                <a:spcPct val="150000"/>
+              </a:lnSpc>
             </a:pPr>
             <a:endParaRPr lang="en-US" dirty="0">
               <a:solidFill>
@@ -7994,108 +9631,6 @@
               </a:solidFill>
               <a:latin typeface="Helvetica Neue"/>
             </a:endParaRPr>
-          </a:p>
-          <a:p>
-            <a:pPr>
-              <a:lnSpc>
-                <a:spcPct val="150000"/>
-              </a:lnSpc>
-            </a:pPr>
-            <a:r>
-              <a:rPr lang="en-US" dirty="0">
-                <a:solidFill>
-                  <a:srgbClr val="333333"/>
-                </a:solidFill>
-                <a:latin typeface="Helvetica Neue"/>
-              </a:rPr>
-              <a:t>The high level languages are similar to English language. The program instructions are written using English words, for example print, input etc. But each high level language has its own rule and grammar for writing program instructions. These rules are called syntax of the language.</a:t>
-            </a:r>
-          </a:p>
-          <a:p>
-            <a:pPr>
-              <a:lnSpc>
-                <a:spcPct val="150000"/>
-              </a:lnSpc>
-            </a:pPr>
-            <a:r>
-              <a:rPr lang="en-US" dirty="0">
-                <a:solidFill>
-                  <a:srgbClr val="333333"/>
-                </a:solidFill>
-                <a:latin typeface="Helvetica Neue"/>
-              </a:rPr>
-              <a:t>The program written in high level language must be translated to machine code before to run it. Each high level language has its own translator program.</a:t>
-            </a:r>
-          </a:p>
-          <a:p>
-            <a:pPr>
-              <a:lnSpc>
-                <a:spcPct val="150000"/>
-              </a:lnSpc>
-            </a:pPr>
-            <a:r>
-              <a:rPr lang="en-US" dirty="0">
-                <a:solidFill>
-                  <a:srgbClr val="333333"/>
-                </a:solidFill>
-                <a:latin typeface="Helvetica Neue"/>
-              </a:rPr>
-              <a:t>The high level programming languages are further divided into:</a:t>
-            </a:r>
-          </a:p>
-          <a:p>
-            <a:pPr>
-              <a:lnSpc>
-                <a:spcPct val="150000"/>
-              </a:lnSpc>
-              <a:buFont typeface="Arial" panose="020B0604020202020204" pitchFamily="34" charset="0"/>
-              <a:buChar char="•"/>
-            </a:pPr>
-            <a:r>
-              <a:rPr lang="en-US" dirty="0">
-                <a:solidFill>
-                  <a:srgbClr val="333333"/>
-                </a:solidFill>
-                <a:latin typeface="Helvetica Neue"/>
-              </a:rPr>
-              <a:t>Procedural languages</a:t>
-            </a:r>
-          </a:p>
-          <a:p>
-            <a:pPr>
-              <a:lnSpc>
-                <a:spcPct val="150000"/>
-              </a:lnSpc>
-              <a:buFont typeface="Arial" panose="020B0604020202020204" pitchFamily="34" charset="0"/>
-              <a:buChar char="•"/>
-            </a:pPr>
-            <a:r>
-              <a:rPr lang="en-US" dirty="0">
-                <a:solidFill>
-                  <a:srgbClr val="333333"/>
-                </a:solidFill>
-                <a:latin typeface="Helvetica Neue"/>
-              </a:rPr>
-              <a:t>Non procedural languages</a:t>
-            </a:r>
-          </a:p>
-          <a:p>
-            <a:pPr>
-              <a:lnSpc>
-                <a:spcPct val="150000"/>
-              </a:lnSpc>
-              <a:buFont typeface="Arial" panose="020B0604020202020204" pitchFamily="34" charset="0"/>
-              <a:buChar char="•"/>
-            </a:pPr>
-            <a:r>
-              <a:rPr lang="en-US" dirty="0">
-                <a:solidFill>
-                  <a:srgbClr val="333333"/>
-                </a:solidFill>
-                <a:latin typeface="Helvetica Neue"/>
-              </a:rPr>
-              <a:t>Object oriented programming languages</a:t>
-            </a:r>
           </a:p>
         </p:txBody>
       </p:sp>
@@ -8116,6 +9651,709 @@
       </p:par>
     </p:tnLst>
   </p:timing>
+</p:sld>
+</file>
+
+<file path=ppt/slides/slide40.xml><?xml version="1.0" encoding="utf-8"?>
+<p:sld xmlns:a="http://schemas.openxmlformats.org/drawingml/2006/main" xmlns:r="http://schemas.openxmlformats.org/officeDocument/2006/relationships" xmlns:p="http://schemas.openxmlformats.org/presentationml/2006/main">
+  <p:cSld>
+    <p:spTree>
+      <p:nvGrpSpPr>
+        <p:cNvPr id="1" name=""/>
+        <p:cNvGrpSpPr/>
+        <p:nvPr/>
+      </p:nvGrpSpPr>
+      <p:grpSpPr>
+        <a:xfrm>
+          <a:off x="0" y="0"/>
+          <a:ext cx="0" cy="0"/>
+          <a:chOff x="0" y="0"/>
+          <a:chExt cx="0" cy="0"/>
+        </a:xfrm>
+      </p:grpSpPr>
+      <p:pic>
+        <p:nvPicPr>
+          <p:cNvPr id="2" name="Picture 1"/>
+          <p:cNvPicPr>
+            <a:picLocks noChangeAspect="1"/>
+          </p:cNvPicPr>
+          <p:nvPr/>
+        </p:nvPicPr>
+        <p:blipFill>
+          <a:blip r:embed="rId2"/>
+          <a:stretch>
+            <a:fillRect/>
+          </a:stretch>
+        </p:blipFill>
+        <p:spPr>
+          <a:xfrm>
+            <a:off x="148936" y="77066"/>
+            <a:ext cx="9815946" cy="6827428"/>
+          </a:xfrm>
+          <a:prstGeom prst="rect">
+            <a:avLst/>
+          </a:prstGeom>
+        </p:spPr>
+      </p:pic>
+    </p:spTree>
+    <p:extLst>
+      <p:ext uri="{BB962C8B-B14F-4D97-AF65-F5344CB8AC3E}">
+        <p14:creationId xmlns:p14="http://schemas.microsoft.com/office/powerpoint/2010/main" val="2870930053"/>
+      </p:ext>
+    </p:extLst>
+  </p:cSld>
+  <p:clrMapOvr>
+    <a:masterClrMapping/>
+  </p:clrMapOvr>
+</p:sld>
+</file>
+
+<file path=ppt/slides/slide41.xml><?xml version="1.0" encoding="utf-8"?>
+<p:sld xmlns:a="http://schemas.openxmlformats.org/drawingml/2006/main" xmlns:r="http://schemas.openxmlformats.org/officeDocument/2006/relationships" xmlns:p="http://schemas.openxmlformats.org/presentationml/2006/main">
+  <p:cSld>
+    <p:spTree>
+      <p:nvGrpSpPr>
+        <p:cNvPr id="1" name=""/>
+        <p:cNvGrpSpPr/>
+        <p:nvPr/>
+      </p:nvGrpSpPr>
+      <p:grpSpPr>
+        <a:xfrm>
+          <a:off x="0" y="0"/>
+          <a:ext cx="0" cy="0"/>
+          <a:chOff x="0" y="0"/>
+          <a:chExt cx="0" cy="0"/>
+        </a:xfrm>
+      </p:grpSpPr>
+      <p:pic>
+        <p:nvPicPr>
+          <p:cNvPr id="2" name="Picture 1"/>
+          <p:cNvPicPr>
+            <a:picLocks noChangeAspect="1"/>
+          </p:cNvPicPr>
+          <p:nvPr/>
+        </p:nvPicPr>
+        <p:blipFill>
+          <a:blip r:embed="rId2"/>
+          <a:stretch>
+            <a:fillRect/>
+          </a:stretch>
+        </p:blipFill>
+        <p:spPr>
+          <a:xfrm>
+            <a:off x="166253" y="182707"/>
+            <a:ext cx="10203873" cy="6552724"/>
+          </a:xfrm>
+          <a:prstGeom prst="rect">
+            <a:avLst/>
+          </a:prstGeom>
+        </p:spPr>
+      </p:pic>
+    </p:spTree>
+    <p:extLst>
+      <p:ext uri="{BB962C8B-B14F-4D97-AF65-F5344CB8AC3E}">
+        <p14:creationId xmlns:p14="http://schemas.microsoft.com/office/powerpoint/2010/main" val="1085904949"/>
+      </p:ext>
+    </p:extLst>
+  </p:cSld>
+  <p:clrMapOvr>
+    <a:masterClrMapping/>
+  </p:clrMapOvr>
+</p:sld>
+</file>
+
+<file path=ppt/slides/slide42.xml><?xml version="1.0" encoding="utf-8"?>
+<p:sld xmlns:a="http://schemas.openxmlformats.org/drawingml/2006/main" xmlns:r="http://schemas.openxmlformats.org/officeDocument/2006/relationships" xmlns:p="http://schemas.openxmlformats.org/presentationml/2006/main">
+  <p:cSld>
+    <p:spTree>
+      <p:nvGrpSpPr>
+        <p:cNvPr id="1" name=""/>
+        <p:cNvGrpSpPr/>
+        <p:nvPr/>
+      </p:nvGrpSpPr>
+      <p:grpSpPr>
+        <a:xfrm>
+          <a:off x="0" y="0"/>
+          <a:ext cx="0" cy="0"/>
+          <a:chOff x="0" y="0"/>
+          <a:chExt cx="0" cy="0"/>
+        </a:xfrm>
+      </p:grpSpPr>
+      <p:sp>
+        <p:nvSpPr>
+          <p:cNvPr id="3" name="Rectangle 2"/>
+          <p:cNvSpPr/>
+          <p:nvPr/>
+        </p:nvSpPr>
+        <p:spPr>
+          <a:xfrm>
+            <a:off x="144989" y="233916"/>
+            <a:ext cx="11939155" cy="3693319"/>
+          </a:xfrm>
+          <a:prstGeom prst="rect">
+            <a:avLst/>
+          </a:prstGeom>
+        </p:spPr>
+        <p:txBody>
+          <a:bodyPr wrap="square">
+            <a:spAutoFit/>
+          </a:bodyPr>
+          <a:lstStyle/>
+          <a:p>
+            <a:r>
+              <a:rPr lang="en-US" b="1" dirty="0">
+                <a:solidFill>
+                  <a:srgbClr val="B1520F"/>
+                </a:solidFill>
+                <a:latin typeface="Helvetica Neue"/>
+              </a:rPr>
+              <a:t>Java Operators</a:t>
+            </a:r>
+          </a:p>
+          <a:p>
+            <a:endParaRPr lang="en-US" dirty="0">
+              <a:solidFill>
+                <a:srgbClr val="333333"/>
+              </a:solidFill>
+              <a:latin typeface="Helvetica Neue"/>
+            </a:endParaRPr>
+          </a:p>
+          <a:p>
+            <a:r>
+              <a:rPr lang="en-US" dirty="0">
+                <a:solidFill>
+                  <a:srgbClr val="333333"/>
+                </a:solidFill>
+                <a:latin typeface="Helvetica Neue"/>
+              </a:rPr>
+              <a:t>Operators are symbols that perform operations on variables and values. </a:t>
+            </a:r>
+          </a:p>
+          <a:p>
+            <a:r>
+              <a:rPr lang="en-US" dirty="0">
+                <a:solidFill>
+                  <a:srgbClr val="333333"/>
+                </a:solidFill>
+                <a:latin typeface="Helvetica Neue"/>
+              </a:rPr>
+              <a:t>For example, + is an operator used for addition, while * is also an operator used for multiplication.</a:t>
+            </a:r>
+          </a:p>
+          <a:p>
+            <a:endParaRPr lang="en-US" dirty="0">
+              <a:solidFill>
+                <a:srgbClr val="333333"/>
+              </a:solidFill>
+              <a:latin typeface="Helvetica Neue"/>
+            </a:endParaRPr>
+          </a:p>
+          <a:p>
+            <a:r>
+              <a:rPr lang="en-US" dirty="0">
+                <a:solidFill>
+                  <a:srgbClr val="333333"/>
+                </a:solidFill>
+                <a:latin typeface="Helvetica Neue"/>
+              </a:rPr>
+              <a:t>Operators in Java can be classified into 5 types:</a:t>
+            </a:r>
+          </a:p>
+          <a:p>
+            <a:endParaRPr lang="en-US" dirty="0">
+              <a:solidFill>
+                <a:srgbClr val="333333"/>
+              </a:solidFill>
+              <a:latin typeface="Helvetica Neue"/>
+            </a:endParaRPr>
+          </a:p>
+          <a:p>
+            <a:pPr marL="342900" indent="-342900">
+              <a:buFont typeface="+mj-lt"/>
+              <a:buAutoNum type="arabicPeriod"/>
+            </a:pPr>
+            <a:r>
+              <a:rPr lang="en-US" dirty="0">
+                <a:solidFill>
+                  <a:srgbClr val="333333"/>
+                </a:solidFill>
+                <a:latin typeface="Helvetica Neue"/>
+              </a:rPr>
+              <a:t>Arithmetic Operators</a:t>
+            </a:r>
+          </a:p>
+          <a:p>
+            <a:pPr marL="342900" indent="-342900">
+              <a:buFont typeface="+mj-lt"/>
+              <a:buAutoNum type="arabicPeriod"/>
+            </a:pPr>
+            <a:r>
+              <a:rPr lang="en-US" dirty="0">
+                <a:solidFill>
+                  <a:srgbClr val="333333"/>
+                </a:solidFill>
+                <a:latin typeface="Helvetica Neue"/>
+              </a:rPr>
+              <a:t>Assignment Operators</a:t>
+            </a:r>
+          </a:p>
+          <a:p>
+            <a:pPr marL="342900" indent="-342900">
+              <a:buFont typeface="+mj-lt"/>
+              <a:buAutoNum type="arabicPeriod"/>
+            </a:pPr>
+            <a:r>
+              <a:rPr lang="en-US" dirty="0">
+                <a:solidFill>
+                  <a:srgbClr val="333333"/>
+                </a:solidFill>
+                <a:latin typeface="Helvetica Neue"/>
+              </a:rPr>
+              <a:t>Relational Operators</a:t>
+            </a:r>
+          </a:p>
+          <a:p>
+            <a:pPr marL="342900" indent="-342900">
+              <a:buFont typeface="+mj-lt"/>
+              <a:buAutoNum type="arabicPeriod"/>
+            </a:pPr>
+            <a:r>
+              <a:rPr lang="en-US" dirty="0">
+                <a:solidFill>
+                  <a:srgbClr val="333333"/>
+                </a:solidFill>
+                <a:latin typeface="Helvetica Neue"/>
+              </a:rPr>
+              <a:t>Logical Operators</a:t>
+            </a:r>
+          </a:p>
+          <a:p>
+            <a:pPr marL="342900" indent="-342900">
+              <a:buFont typeface="+mj-lt"/>
+              <a:buAutoNum type="arabicPeriod"/>
+            </a:pPr>
+            <a:r>
+              <a:rPr lang="en-US" dirty="0">
+                <a:solidFill>
+                  <a:srgbClr val="333333"/>
+                </a:solidFill>
+                <a:latin typeface="Helvetica Neue"/>
+              </a:rPr>
+              <a:t>Unary Operators</a:t>
+            </a:r>
+          </a:p>
+          <a:p>
+            <a:pPr marL="342900" indent="-342900">
+              <a:buFont typeface="+mj-lt"/>
+              <a:buAutoNum type="arabicPeriod"/>
+            </a:pPr>
+            <a:r>
+              <a:rPr lang="en-US" dirty="0">
+                <a:solidFill>
+                  <a:srgbClr val="333333"/>
+                </a:solidFill>
+                <a:latin typeface="Helvetica Neue"/>
+              </a:rPr>
+              <a:t>Bitwise Operators</a:t>
+            </a:r>
+          </a:p>
+        </p:txBody>
+      </p:sp>
+    </p:spTree>
+    <p:extLst>
+      <p:ext uri="{BB962C8B-B14F-4D97-AF65-F5344CB8AC3E}">
+        <p14:creationId xmlns:p14="http://schemas.microsoft.com/office/powerpoint/2010/main" val="1874018765"/>
+      </p:ext>
+    </p:extLst>
+  </p:cSld>
+  <p:clrMapOvr>
+    <a:masterClrMapping/>
+  </p:clrMapOvr>
+  <p:timing>
+    <p:tnLst>
+      <p:par>
+        <p:cTn id="1" dur="indefinite" restart="never" nodeType="tmRoot"/>
+      </p:par>
+    </p:tnLst>
+  </p:timing>
+</p:sld>
+</file>
+
+<file path=ppt/slides/slide43.xml><?xml version="1.0" encoding="utf-8"?>
+<p:sld xmlns:a="http://schemas.openxmlformats.org/drawingml/2006/main" xmlns:r="http://schemas.openxmlformats.org/officeDocument/2006/relationships" xmlns:p="http://schemas.openxmlformats.org/presentationml/2006/main">
+  <p:cSld>
+    <p:spTree>
+      <p:nvGrpSpPr>
+        <p:cNvPr id="1" name=""/>
+        <p:cNvGrpSpPr/>
+        <p:nvPr/>
+      </p:nvGrpSpPr>
+      <p:grpSpPr>
+        <a:xfrm>
+          <a:off x="0" y="0"/>
+          <a:ext cx="0" cy="0"/>
+          <a:chOff x="0" y="0"/>
+          <a:chExt cx="0" cy="0"/>
+        </a:xfrm>
+      </p:grpSpPr>
+      <p:pic>
+        <p:nvPicPr>
+          <p:cNvPr id="2" name="Picture 1"/>
+          <p:cNvPicPr>
+            <a:picLocks noChangeAspect="1"/>
+          </p:cNvPicPr>
+          <p:nvPr/>
+        </p:nvPicPr>
+        <p:blipFill>
+          <a:blip r:embed="rId2"/>
+          <a:stretch>
+            <a:fillRect/>
+          </a:stretch>
+        </p:blipFill>
+        <p:spPr>
+          <a:xfrm>
+            <a:off x="132050" y="82694"/>
+            <a:ext cx="9801659" cy="6745104"/>
+          </a:xfrm>
+          <a:prstGeom prst="rect">
+            <a:avLst/>
+          </a:prstGeom>
+        </p:spPr>
+      </p:pic>
+    </p:spTree>
+    <p:extLst>
+      <p:ext uri="{BB962C8B-B14F-4D97-AF65-F5344CB8AC3E}">
+        <p14:creationId xmlns:p14="http://schemas.microsoft.com/office/powerpoint/2010/main" val="3411725418"/>
+      </p:ext>
+    </p:extLst>
+  </p:cSld>
+  <p:clrMapOvr>
+    <a:masterClrMapping/>
+  </p:clrMapOvr>
+</p:sld>
+</file>
+
+<file path=ppt/slides/slide44.xml><?xml version="1.0" encoding="utf-8"?>
+<p:sld xmlns:a="http://schemas.openxmlformats.org/drawingml/2006/main" xmlns:r="http://schemas.openxmlformats.org/officeDocument/2006/relationships" xmlns:p="http://schemas.openxmlformats.org/presentationml/2006/main">
+  <p:cSld>
+    <p:spTree>
+      <p:nvGrpSpPr>
+        <p:cNvPr id="1" name=""/>
+        <p:cNvGrpSpPr/>
+        <p:nvPr/>
+      </p:nvGrpSpPr>
+      <p:grpSpPr>
+        <a:xfrm>
+          <a:off x="0" y="0"/>
+          <a:ext cx="0" cy="0"/>
+          <a:chOff x="0" y="0"/>
+          <a:chExt cx="0" cy="0"/>
+        </a:xfrm>
+      </p:grpSpPr>
+      <p:pic>
+        <p:nvPicPr>
+          <p:cNvPr id="2" name="Picture 1"/>
+          <p:cNvPicPr>
+            <a:picLocks noChangeAspect="1"/>
+          </p:cNvPicPr>
+          <p:nvPr/>
+        </p:nvPicPr>
+        <p:blipFill>
+          <a:blip r:embed="rId2"/>
+          <a:stretch>
+            <a:fillRect/>
+          </a:stretch>
+        </p:blipFill>
+        <p:spPr>
+          <a:xfrm>
+            <a:off x="155863" y="217994"/>
+            <a:ext cx="8934017" cy="6640006"/>
+          </a:xfrm>
+          <a:prstGeom prst="rect">
+            <a:avLst/>
+          </a:prstGeom>
+        </p:spPr>
+      </p:pic>
+    </p:spTree>
+    <p:extLst>
+      <p:ext uri="{BB962C8B-B14F-4D97-AF65-F5344CB8AC3E}">
+        <p14:creationId xmlns:p14="http://schemas.microsoft.com/office/powerpoint/2010/main" val="2208878651"/>
+      </p:ext>
+    </p:extLst>
+  </p:cSld>
+  <p:clrMapOvr>
+    <a:masterClrMapping/>
+  </p:clrMapOvr>
+</p:sld>
+</file>
+
+<file path=ppt/slides/slide45.xml><?xml version="1.0" encoding="utf-8"?>
+<p:sld xmlns:a="http://schemas.openxmlformats.org/drawingml/2006/main" xmlns:r="http://schemas.openxmlformats.org/officeDocument/2006/relationships" xmlns:p="http://schemas.openxmlformats.org/presentationml/2006/main">
+  <p:cSld>
+    <p:spTree>
+      <p:nvGrpSpPr>
+        <p:cNvPr id="1" name=""/>
+        <p:cNvGrpSpPr/>
+        <p:nvPr/>
+      </p:nvGrpSpPr>
+      <p:grpSpPr>
+        <a:xfrm>
+          <a:off x="0" y="0"/>
+          <a:ext cx="0" cy="0"/>
+          <a:chOff x="0" y="0"/>
+          <a:chExt cx="0" cy="0"/>
+        </a:xfrm>
+      </p:grpSpPr>
+      <p:pic>
+        <p:nvPicPr>
+          <p:cNvPr id="4" name="Picture 3"/>
+          <p:cNvPicPr>
+            <a:picLocks noChangeAspect="1"/>
+          </p:cNvPicPr>
+          <p:nvPr/>
+        </p:nvPicPr>
+        <p:blipFill>
+          <a:blip r:embed="rId2"/>
+          <a:stretch>
+            <a:fillRect/>
+          </a:stretch>
+        </p:blipFill>
+        <p:spPr>
+          <a:xfrm>
+            <a:off x="317355" y="143741"/>
+            <a:ext cx="7704427" cy="6623626"/>
+          </a:xfrm>
+          <a:prstGeom prst="rect">
+            <a:avLst/>
+          </a:prstGeom>
+        </p:spPr>
+      </p:pic>
+    </p:spTree>
+    <p:extLst>
+      <p:ext uri="{BB962C8B-B14F-4D97-AF65-F5344CB8AC3E}">
+        <p14:creationId xmlns:p14="http://schemas.microsoft.com/office/powerpoint/2010/main" val="2665864231"/>
+      </p:ext>
+    </p:extLst>
+  </p:cSld>
+  <p:clrMapOvr>
+    <a:masterClrMapping/>
+  </p:clrMapOvr>
+</p:sld>
+</file>
+
+<file path=ppt/slides/slide46.xml><?xml version="1.0" encoding="utf-8"?>
+<p:sld xmlns:a="http://schemas.openxmlformats.org/drawingml/2006/main" xmlns:r="http://schemas.openxmlformats.org/officeDocument/2006/relationships" xmlns:p="http://schemas.openxmlformats.org/presentationml/2006/main">
+  <p:cSld>
+    <p:spTree>
+      <p:nvGrpSpPr>
+        <p:cNvPr id="1" name=""/>
+        <p:cNvGrpSpPr/>
+        <p:nvPr/>
+      </p:nvGrpSpPr>
+      <p:grpSpPr>
+        <a:xfrm>
+          <a:off x="0" y="0"/>
+          <a:ext cx="0" cy="0"/>
+          <a:chOff x="0" y="0"/>
+          <a:chExt cx="0" cy="0"/>
+        </a:xfrm>
+      </p:grpSpPr>
+      <p:pic>
+        <p:nvPicPr>
+          <p:cNvPr id="2" name="Picture 1"/>
+          <p:cNvPicPr>
+            <a:picLocks noChangeAspect="1"/>
+          </p:cNvPicPr>
+          <p:nvPr/>
+        </p:nvPicPr>
+        <p:blipFill>
+          <a:blip r:embed="rId2"/>
+          <a:stretch>
+            <a:fillRect/>
+          </a:stretch>
+        </p:blipFill>
+        <p:spPr>
+          <a:xfrm>
+            <a:off x="0" y="95250"/>
+            <a:ext cx="7419975" cy="6896100"/>
+          </a:xfrm>
+          <a:prstGeom prst="rect">
+            <a:avLst/>
+          </a:prstGeom>
+        </p:spPr>
+      </p:pic>
+    </p:spTree>
+    <p:extLst>
+      <p:ext uri="{BB962C8B-B14F-4D97-AF65-F5344CB8AC3E}">
+        <p14:creationId xmlns:p14="http://schemas.microsoft.com/office/powerpoint/2010/main" val="743682055"/>
+      </p:ext>
+    </p:extLst>
+  </p:cSld>
+  <p:clrMapOvr>
+    <a:masterClrMapping/>
+  </p:clrMapOvr>
+</p:sld>
+</file>
+
+<file path=ppt/slides/slide47.xml><?xml version="1.0" encoding="utf-8"?>
+<p:sld xmlns:a="http://schemas.openxmlformats.org/drawingml/2006/main" xmlns:r="http://schemas.openxmlformats.org/officeDocument/2006/relationships" xmlns:p="http://schemas.openxmlformats.org/presentationml/2006/main">
+  <p:cSld>
+    <p:spTree>
+      <p:nvGrpSpPr>
+        <p:cNvPr id="1" name=""/>
+        <p:cNvGrpSpPr/>
+        <p:nvPr/>
+      </p:nvGrpSpPr>
+      <p:grpSpPr>
+        <a:xfrm>
+          <a:off x="0" y="0"/>
+          <a:ext cx="0" cy="0"/>
+          <a:chOff x="0" y="0"/>
+          <a:chExt cx="0" cy="0"/>
+        </a:xfrm>
+      </p:grpSpPr>
+      <p:pic>
+        <p:nvPicPr>
+          <p:cNvPr id="2" name="Picture 1"/>
+          <p:cNvPicPr>
+            <a:picLocks noChangeAspect="1"/>
+          </p:cNvPicPr>
+          <p:nvPr/>
+        </p:nvPicPr>
+        <p:blipFill>
+          <a:blip r:embed="rId2"/>
+          <a:stretch>
+            <a:fillRect/>
+          </a:stretch>
+        </p:blipFill>
+        <p:spPr>
+          <a:xfrm>
+            <a:off x="77931" y="114300"/>
+            <a:ext cx="7995805" cy="6707141"/>
+          </a:xfrm>
+          <a:prstGeom prst="rect">
+            <a:avLst/>
+          </a:prstGeom>
+        </p:spPr>
+      </p:pic>
+    </p:spTree>
+    <p:extLst>
+      <p:ext uri="{BB962C8B-B14F-4D97-AF65-F5344CB8AC3E}">
+        <p14:creationId xmlns:p14="http://schemas.microsoft.com/office/powerpoint/2010/main" val="2497949839"/>
+      </p:ext>
+    </p:extLst>
+  </p:cSld>
+  <p:clrMapOvr>
+    <a:masterClrMapping/>
+  </p:clrMapOvr>
+</p:sld>
+</file>
+
+<file path=ppt/slides/slide48.xml><?xml version="1.0" encoding="utf-8"?>
+<p:sld xmlns:a="http://schemas.openxmlformats.org/drawingml/2006/main" xmlns:r="http://schemas.openxmlformats.org/officeDocument/2006/relationships" xmlns:p="http://schemas.openxmlformats.org/presentationml/2006/main">
+  <p:cSld>
+    <p:spTree>
+      <p:nvGrpSpPr>
+        <p:cNvPr id="1" name=""/>
+        <p:cNvGrpSpPr/>
+        <p:nvPr/>
+      </p:nvGrpSpPr>
+      <p:grpSpPr>
+        <a:xfrm>
+          <a:off x="0" y="0"/>
+          <a:ext cx="0" cy="0"/>
+          <a:chOff x="0" y="0"/>
+          <a:chExt cx="0" cy="0"/>
+        </a:xfrm>
+      </p:grpSpPr>
+      <p:pic>
+        <p:nvPicPr>
+          <p:cNvPr id="2" name="Picture 1"/>
+          <p:cNvPicPr>
+            <a:picLocks noChangeAspect="1"/>
+          </p:cNvPicPr>
+          <p:nvPr/>
+        </p:nvPicPr>
+        <p:blipFill>
+          <a:blip r:embed="rId2"/>
+          <a:stretch>
+            <a:fillRect/>
+          </a:stretch>
+        </p:blipFill>
+        <p:spPr>
+          <a:xfrm>
+            <a:off x="0" y="74900"/>
+            <a:ext cx="5309755" cy="6766507"/>
+          </a:xfrm>
+          <a:prstGeom prst="rect">
+            <a:avLst/>
+          </a:prstGeom>
+        </p:spPr>
+      </p:pic>
+    </p:spTree>
+    <p:extLst>
+      <p:ext uri="{BB962C8B-B14F-4D97-AF65-F5344CB8AC3E}">
+        <p14:creationId xmlns:p14="http://schemas.microsoft.com/office/powerpoint/2010/main" val="1338556399"/>
+      </p:ext>
+    </p:extLst>
+  </p:cSld>
+  <p:clrMapOvr>
+    <a:masterClrMapping/>
+  </p:clrMapOvr>
+</p:sld>
+</file>
+
+<file path=ppt/slides/slide49.xml><?xml version="1.0" encoding="utf-8"?>
+<p:sld xmlns:a="http://schemas.openxmlformats.org/drawingml/2006/main" xmlns:r="http://schemas.openxmlformats.org/officeDocument/2006/relationships" xmlns:p="http://schemas.openxmlformats.org/presentationml/2006/main">
+  <p:cSld>
+    <p:spTree>
+      <p:nvGrpSpPr>
+        <p:cNvPr id="1" name=""/>
+        <p:cNvGrpSpPr/>
+        <p:nvPr/>
+      </p:nvGrpSpPr>
+      <p:grpSpPr>
+        <a:xfrm>
+          <a:off x="0" y="0"/>
+          <a:ext cx="0" cy="0"/>
+          <a:chOff x="0" y="0"/>
+          <a:chExt cx="0" cy="0"/>
+        </a:xfrm>
+      </p:grpSpPr>
+      <p:pic>
+        <p:nvPicPr>
+          <p:cNvPr id="2" name="Picture 1"/>
+          <p:cNvPicPr>
+            <a:picLocks noChangeAspect="1"/>
+          </p:cNvPicPr>
+          <p:nvPr/>
+        </p:nvPicPr>
+        <p:blipFill>
+          <a:blip r:embed="rId2"/>
+          <a:stretch>
+            <a:fillRect/>
+          </a:stretch>
+        </p:blipFill>
+        <p:spPr>
+          <a:xfrm>
+            <a:off x="123825" y="0"/>
+            <a:ext cx="11908848" cy="6535882"/>
+          </a:xfrm>
+          <a:prstGeom prst="rect">
+            <a:avLst/>
+          </a:prstGeom>
+        </p:spPr>
+      </p:pic>
+    </p:spTree>
+    <p:extLst>
+      <p:ext uri="{BB962C8B-B14F-4D97-AF65-F5344CB8AC3E}">
+        <p14:creationId xmlns:p14="http://schemas.microsoft.com/office/powerpoint/2010/main" val="3301368628"/>
+      </p:ext>
+    </p:extLst>
+  </p:cSld>
+  <p:clrMapOvr>
+    <a:masterClrMapping/>
+  </p:clrMapOvr>
 </p:sld>
 </file>
 
@@ -8144,7 +10382,7 @@
         </p:nvSpPr>
         <p:spPr>
           <a:xfrm>
-            <a:off x="0" y="197427"/>
+            <a:off x="0" y="0"/>
             <a:ext cx="12074236" cy="7017306"/>
           </a:xfrm>
           <a:prstGeom prst="rect">
@@ -8169,7 +10407,101 @@
                 </a:solidFill>
                 <a:latin typeface="Helvetica Neue"/>
               </a:rPr>
-              <a:t>Procedural Language</a:t>
+              <a:t>The high level programming languages are further divided into:</a:t>
+            </a:r>
+          </a:p>
+          <a:p>
+            <a:pPr>
+              <a:lnSpc>
+                <a:spcPct val="150000"/>
+              </a:lnSpc>
+              <a:buFont typeface="Arial" panose="020B0604020202020204" pitchFamily="34" charset="0"/>
+              <a:buChar char="•"/>
+            </a:pPr>
+            <a:r>
+              <a:rPr lang="en-US" dirty="0">
+                <a:solidFill>
+                  <a:srgbClr val="333333"/>
+                </a:solidFill>
+                <a:latin typeface="Helvetica Neue"/>
+              </a:rPr>
+              <a:t>Procedural languages</a:t>
+            </a:r>
+          </a:p>
+          <a:p>
+            <a:pPr>
+              <a:lnSpc>
+                <a:spcPct val="150000"/>
+              </a:lnSpc>
+              <a:buFont typeface="Arial" panose="020B0604020202020204" pitchFamily="34" charset="0"/>
+              <a:buChar char="•"/>
+            </a:pPr>
+            <a:r>
+              <a:rPr lang="en-US" dirty="0">
+                <a:solidFill>
+                  <a:srgbClr val="333333"/>
+                </a:solidFill>
+                <a:latin typeface="Helvetica Neue"/>
+              </a:rPr>
+              <a:t>Non procedural languages</a:t>
+            </a:r>
+          </a:p>
+          <a:p>
+            <a:pPr>
+              <a:lnSpc>
+                <a:spcPct val="150000"/>
+              </a:lnSpc>
+              <a:buFont typeface="Arial" panose="020B0604020202020204" pitchFamily="34" charset="0"/>
+              <a:buChar char="•"/>
+            </a:pPr>
+            <a:r>
+              <a:rPr lang="en-US" dirty="0">
+                <a:solidFill>
+                  <a:srgbClr val="333333"/>
+                </a:solidFill>
+                <a:latin typeface="Helvetica Neue"/>
+              </a:rPr>
+              <a:t>Object oriented programming </a:t>
+            </a:r>
+            <a:r>
+              <a:rPr lang="en-US" dirty="0" smtClean="0">
+                <a:solidFill>
+                  <a:srgbClr val="333333"/>
+                </a:solidFill>
+                <a:latin typeface="Helvetica Neue"/>
+              </a:rPr>
+              <a:t>languages</a:t>
+            </a:r>
+            <a:endParaRPr lang="en-US" b="1" dirty="0" smtClean="0">
+              <a:solidFill>
+                <a:srgbClr val="333333"/>
+              </a:solidFill>
+              <a:latin typeface="Helvetica Neue"/>
+            </a:endParaRPr>
+          </a:p>
+          <a:p>
+            <a:pPr>
+              <a:lnSpc>
+                <a:spcPct val="150000"/>
+              </a:lnSpc>
+            </a:pPr>
+            <a:r>
+              <a:rPr lang="en-US" b="1" dirty="0" smtClean="0">
+                <a:solidFill>
+                  <a:srgbClr val="333333"/>
+                </a:solidFill>
+                <a:latin typeface="Helvetica Neue"/>
+              </a:rPr>
+              <a:t>Procedural </a:t>
+            </a:r>
+            <a:r>
+              <a:rPr lang="en-US" b="1" dirty="0">
+                <a:solidFill>
+                  <a:srgbClr val="333333"/>
+                </a:solidFill>
+                <a:latin typeface="Helvetica Neue"/>
+              </a:rPr>
+              <a:t>Language</a:t>
             </a:r>
           </a:p>
           <a:p>
@@ -8290,8 +10622,23 @@
                 </a:solidFill>
                 <a:latin typeface="Helvetica Neue"/>
               </a:rPr>
-              <a:t> developed it in 1972 at Bell Laboratories. It is a high level language but it can also support assembly language codes (low level codes). It is because, C language is also referred to as middle level language. The program written in C can be compiled and run on any type of computer. In other words programs written in C language are portable. C language is a structured programming language. The main feature of C language is that, it uses a large number of built-in functions to perform various tasks. The user can also creates its own functions.</a:t>
-            </a:r>
+              <a:t> developed it in 1972 at Bell Laboratories. It is a high level language but it can also support assembly language codes (low level </a:t>
+            </a:r>
+            <a:r>
+              <a:rPr lang="en-US" dirty="0" smtClean="0">
+                <a:solidFill>
+                  <a:srgbClr val="333333"/>
+                </a:solidFill>
+                <a:latin typeface="Helvetica Neue"/>
+              </a:rPr>
+              <a:t>codes</a:t>
+            </a:r>
+            <a:endParaRPr lang="en-US" dirty="0">
+              <a:solidFill>
+                <a:srgbClr val="333333"/>
+              </a:solidFill>
+              <a:latin typeface="Helvetica Neue"/>
+            </a:endParaRPr>
           </a:p>
           <a:p>
             <a:endParaRPr lang="en-US" b="0" i="0" dirty="0">
@@ -8321,6 +10668,222 @@
       </p:par>
     </p:tnLst>
   </p:timing>
+</p:sld>
+</file>
+
+<file path=ppt/slides/slide50.xml><?xml version="1.0" encoding="utf-8"?>
+<p:sld xmlns:a="http://schemas.openxmlformats.org/drawingml/2006/main" xmlns:r="http://schemas.openxmlformats.org/officeDocument/2006/relationships" xmlns:p="http://schemas.openxmlformats.org/presentationml/2006/main">
+  <p:cSld>
+    <p:spTree>
+      <p:nvGrpSpPr>
+        <p:cNvPr id="1" name=""/>
+        <p:cNvGrpSpPr/>
+        <p:nvPr/>
+      </p:nvGrpSpPr>
+      <p:grpSpPr>
+        <a:xfrm>
+          <a:off x="0" y="0"/>
+          <a:ext cx="0" cy="0"/>
+          <a:chOff x="0" y="0"/>
+          <a:chExt cx="0" cy="0"/>
+        </a:xfrm>
+      </p:grpSpPr>
+      <p:pic>
+        <p:nvPicPr>
+          <p:cNvPr id="3" name="Picture 2"/>
+          <p:cNvPicPr>
+            <a:picLocks noChangeAspect="1"/>
+          </p:cNvPicPr>
+          <p:nvPr/>
+        </p:nvPicPr>
+        <p:blipFill>
+          <a:blip r:embed="rId2"/>
+          <a:stretch>
+            <a:fillRect/>
+          </a:stretch>
+        </p:blipFill>
+        <p:spPr>
+          <a:xfrm>
+            <a:off x="150667" y="120361"/>
+            <a:ext cx="7538605" cy="6683385"/>
+          </a:xfrm>
+          <a:prstGeom prst="rect">
+            <a:avLst/>
+          </a:prstGeom>
+        </p:spPr>
+      </p:pic>
+    </p:spTree>
+    <p:extLst>
+      <p:ext uri="{BB962C8B-B14F-4D97-AF65-F5344CB8AC3E}">
+        <p14:creationId xmlns:p14="http://schemas.microsoft.com/office/powerpoint/2010/main" val="2030901803"/>
+      </p:ext>
+    </p:extLst>
+  </p:cSld>
+  <p:clrMapOvr>
+    <a:masterClrMapping/>
+  </p:clrMapOvr>
+</p:sld>
+</file>
+
+<file path=ppt/slides/slide51.xml><?xml version="1.0" encoding="utf-8"?>
+<p:sld xmlns:a="http://schemas.openxmlformats.org/drawingml/2006/main" xmlns:r="http://schemas.openxmlformats.org/officeDocument/2006/relationships" xmlns:p="http://schemas.openxmlformats.org/presentationml/2006/main">
+  <p:cSld>
+    <p:spTree>
+      <p:nvGrpSpPr>
+        <p:cNvPr id="1" name=""/>
+        <p:cNvGrpSpPr/>
+        <p:nvPr/>
+      </p:nvGrpSpPr>
+      <p:grpSpPr>
+        <a:xfrm>
+          <a:off x="0" y="0"/>
+          <a:ext cx="0" cy="0"/>
+          <a:chOff x="0" y="0"/>
+          <a:chExt cx="0" cy="0"/>
+        </a:xfrm>
+      </p:grpSpPr>
+      <p:pic>
+        <p:nvPicPr>
+          <p:cNvPr id="2" name="Picture 1"/>
+          <p:cNvPicPr>
+            <a:picLocks noChangeAspect="1"/>
+          </p:cNvPicPr>
+          <p:nvPr/>
+        </p:nvPicPr>
+        <p:blipFill>
+          <a:blip r:embed="rId2"/>
+          <a:stretch>
+            <a:fillRect/>
+          </a:stretch>
+        </p:blipFill>
+        <p:spPr>
+          <a:xfrm>
+            <a:off x="90055" y="135948"/>
+            <a:ext cx="11100954" cy="6755884"/>
+          </a:xfrm>
+          <a:prstGeom prst="rect">
+            <a:avLst/>
+          </a:prstGeom>
+        </p:spPr>
+      </p:pic>
+    </p:spTree>
+    <p:extLst>
+      <p:ext uri="{BB962C8B-B14F-4D97-AF65-F5344CB8AC3E}">
+        <p14:creationId xmlns:p14="http://schemas.microsoft.com/office/powerpoint/2010/main" val="2311956742"/>
+      </p:ext>
+    </p:extLst>
+  </p:cSld>
+  <p:clrMapOvr>
+    <a:masterClrMapping/>
+  </p:clrMapOvr>
+</p:sld>
+</file>
+
+<file path=ppt/slides/slide52.xml><?xml version="1.0" encoding="utf-8"?>
+<p:sld xmlns:a="http://schemas.openxmlformats.org/drawingml/2006/main" xmlns:r="http://schemas.openxmlformats.org/officeDocument/2006/relationships" xmlns:p="http://schemas.openxmlformats.org/presentationml/2006/main">
+  <p:cSld>
+    <p:spTree>
+      <p:nvGrpSpPr>
+        <p:cNvPr id="1" name=""/>
+        <p:cNvGrpSpPr/>
+        <p:nvPr/>
+      </p:nvGrpSpPr>
+      <p:grpSpPr>
+        <a:xfrm>
+          <a:off x="0" y="0"/>
+          <a:ext cx="0" cy="0"/>
+          <a:chOff x="0" y="0"/>
+          <a:chExt cx="0" cy="0"/>
+        </a:xfrm>
+      </p:grpSpPr>
+      <p:pic>
+        <p:nvPicPr>
+          <p:cNvPr id="2" name="Picture 1"/>
+          <p:cNvPicPr>
+            <a:picLocks noChangeAspect="1"/>
+          </p:cNvPicPr>
+          <p:nvPr/>
+        </p:nvPicPr>
+        <p:blipFill>
+          <a:blip r:embed="rId2"/>
+          <a:stretch>
+            <a:fillRect/>
+          </a:stretch>
+        </p:blipFill>
+        <p:spPr>
+          <a:xfrm>
+            <a:off x="0" y="0"/>
+            <a:ext cx="4384964" cy="6895049"/>
+          </a:xfrm>
+          <a:prstGeom prst="rect">
+            <a:avLst/>
+          </a:prstGeom>
+        </p:spPr>
+      </p:pic>
+    </p:spTree>
+    <p:extLst>
+      <p:ext uri="{BB962C8B-B14F-4D97-AF65-F5344CB8AC3E}">
+        <p14:creationId xmlns:p14="http://schemas.microsoft.com/office/powerpoint/2010/main" val="3930580150"/>
+      </p:ext>
+    </p:extLst>
+  </p:cSld>
+  <p:clrMapOvr>
+    <a:masterClrMapping/>
+  </p:clrMapOvr>
+</p:sld>
+</file>
+
+<file path=ppt/slides/slide53.xml><?xml version="1.0" encoding="utf-8"?>
+<p:sld xmlns:a="http://schemas.openxmlformats.org/drawingml/2006/main" xmlns:r="http://schemas.openxmlformats.org/officeDocument/2006/relationships" xmlns:p="http://schemas.openxmlformats.org/presentationml/2006/main">
+  <p:cSld>
+    <p:spTree>
+      <p:nvGrpSpPr>
+        <p:cNvPr id="1" name=""/>
+        <p:cNvGrpSpPr/>
+        <p:nvPr/>
+      </p:nvGrpSpPr>
+      <p:grpSpPr>
+        <a:xfrm>
+          <a:off x="0" y="0"/>
+          <a:ext cx="0" cy="0"/>
+          <a:chOff x="0" y="0"/>
+          <a:chExt cx="0" cy="0"/>
+        </a:xfrm>
+      </p:grpSpPr>
+      <p:pic>
+        <p:nvPicPr>
+          <p:cNvPr id="2" name="Picture 1"/>
+          <p:cNvPicPr>
+            <a:picLocks noChangeAspect="1"/>
+          </p:cNvPicPr>
+          <p:nvPr/>
+        </p:nvPicPr>
+        <p:blipFill>
+          <a:blip r:embed="rId2"/>
+          <a:stretch>
+            <a:fillRect/>
+          </a:stretch>
+        </p:blipFill>
+        <p:spPr>
+          <a:xfrm>
+            <a:off x="154565" y="113866"/>
+            <a:ext cx="7015162" cy="6709712"/>
+          </a:xfrm>
+          <a:prstGeom prst="rect">
+            <a:avLst/>
+          </a:prstGeom>
+        </p:spPr>
+      </p:pic>
+    </p:spTree>
+    <p:extLst>
+      <p:ext uri="{BB962C8B-B14F-4D97-AF65-F5344CB8AC3E}">
+        <p14:creationId xmlns:p14="http://schemas.microsoft.com/office/powerpoint/2010/main" val="1898391070"/>
+      </p:ext>
+    </p:extLst>
+  </p:cSld>
+  <p:clrMapOvr>
+    <a:masterClrMapping/>
+  </p:clrMapOvr>
 </p:sld>
 </file>
 
@@ -8732,7 +11295,7 @@
         <p:spPr>
           <a:xfrm>
             <a:off x="124691" y="103909"/>
-            <a:ext cx="12067309" cy="4611519"/>
+            <a:ext cx="12067309" cy="5078313"/>
           </a:xfrm>
           <a:prstGeom prst="rect">
             <a:avLst/>
@@ -8744,21 +11307,42 @@
           </a:bodyPr>
           <a:lstStyle/>
           <a:p>
-            <a:pPr algn="ctr">
-              <a:lnSpc>
-                <a:spcPct val="150000"/>
-              </a:lnSpc>
-            </a:pPr>
-            <a:r>
-              <a:rPr lang="en-US" b="1" i="0" dirty="0" smtClean="0">
-                <a:solidFill>
-                  <a:srgbClr val="008080"/>
-                </a:solidFill>
-                <a:effectLst/>
-                <a:latin typeface="Helvetica Neue"/>
-              </a:rPr>
-              <a:t>Computer Language Translator and its Types</a:t>
-            </a:r>
+            <a:pPr>
+              <a:lnSpc>
+                <a:spcPct val="150000"/>
+              </a:lnSpc>
+            </a:pPr>
+            <a:r>
+              <a:rPr lang="en-US" b="1" dirty="0">
+                <a:solidFill>
+                  <a:srgbClr val="B1520F"/>
+                </a:solidFill>
+                <a:latin typeface="Helvetica Neue"/>
+              </a:rPr>
+              <a:t>Computer Language Translator and its </a:t>
+            </a:r>
+            <a:r>
+              <a:rPr lang="en-US" b="1" dirty="0" smtClean="0">
+                <a:solidFill>
+                  <a:srgbClr val="B1520F"/>
+                </a:solidFill>
+                <a:latin typeface="Helvetica Neue"/>
+              </a:rPr>
+              <a:t>Types</a:t>
+            </a:r>
+          </a:p>
+          <a:p>
+            <a:pPr>
+              <a:lnSpc>
+                <a:spcPct val="150000"/>
+              </a:lnSpc>
+            </a:pPr>
+            <a:endParaRPr lang="en-US" b="1" dirty="0">
+              <a:solidFill>
+                <a:srgbClr val="B1520F"/>
+              </a:solidFill>
+              <a:latin typeface="Helvetica Neue"/>
+            </a:endParaRPr>
           </a:p>
           <a:p>
             <a:pPr>

--- a/Java.pptx
+++ b/Java.pptx
@@ -3464,7 +3464,6 @@
                 </a:solidFill>
                 <a:effectLst/>
                 <a:latin typeface="Helvetica Neue"/>
-                <a:hlinkClick r:id="rId2"/>
               </a:rPr>
               <a:t>Encapsulation</a:t>
             </a:r>
@@ -3509,7 +3508,6 @@
                 </a:solidFill>
                 <a:effectLst/>
                 <a:latin typeface="Helvetica Neue"/>
-                <a:hlinkClick r:id="rId3"/>
               </a:rPr>
               <a:t>Inheritance</a:t>
             </a:r>
@@ -3554,7 +3552,6 @@
                 </a:solidFill>
                 <a:effectLst/>
                 <a:latin typeface="Helvetica Neue"/>
-                <a:hlinkClick r:id="rId4"/>
               </a:rPr>
               <a:t>Polymorphism</a:t>
             </a:r>
@@ -3575,7 +3572,6 @@
                 </a:solidFill>
                 <a:effectLst/>
                 <a:latin typeface="Helvetica Neue"/>
-                <a:hlinkClick r:id="rId5"/>
               </a:rPr>
               <a:t>interface</a:t>
             </a:r>
@@ -3808,7 +3804,6 @@
                 </a:solidFill>
                 <a:effectLst/>
                 <a:latin typeface="Helvetica Neue"/>
-                <a:hlinkClick r:id="rId2"/>
               </a:rPr>
               <a:t>Java program</a:t>
             </a:r>
@@ -6196,45 +6191,7 @@
                 </a:solidFill>
                 <a:latin typeface="Helvetica Neue"/>
               </a:rPr>
-              <a:t>3. </a:t>
-            </a:r>
-            <a:r>
-              <a:rPr lang="en-US" dirty="0">
-                <a:solidFill>
-                  <a:srgbClr val="333333"/>
-                </a:solidFill>
-                <a:latin typeface="Helvetica Neue"/>
-                <a:hlinkClick r:id="rId2"/>
-              </a:rPr>
-              <a:t>JVM (Java Virtual Machine)</a:t>
-            </a:r>
-            <a:r>
-              <a:rPr lang="en-US" dirty="0">
-                <a:solidFill>
-                  <a:srgbClr val="333333"/>
-                </a:solidFill>
-                <a:latin typeface="Helvetica Neue"/>
-              </a:rPr>
-              <a:t> is a very important part of both JDK and JRE because it is contained or inbuilt in both. Whatever Java program you run using JRE or JDK goes into JVM and JVM is responsible for executing the java program line by line, hence it is also known as an </a:t>
-            </a:r>
-            <a:r>
-              <a:rPr lang="en-US" dirty="0">
-                <a:solidFill>
-                  <a:srgbClr val="333333"/>
-                </a:solidFill>
-                <a:latin typeface="Helvetica Neue"/>
-                <a:hlinkClick r:id="rId3"/>
-              </a:rPr>
-              <a:t>interpreter</a:t>
-            </a:r>
-            <a:r>
-              <a:rPr lang="en-US" dirty="0">
-                <a:solidFill>
-                  <a:srgbClr val="333333"/>
-                </a:solidFill>
-                <a:latin typeface="Helvetica Neue"/>
-              </a:rPr>
-              <a:t>.</a:t>
+              <a:t>3. JVM (Java Virtual Machine) is a very important part of both JDK and JRE because it is contained or inbuilt in both. Whatever Java program you run using JRE or JDK goes into JVM and JVM is responsible for executing the java program line by line, hence it is also known as an interpreter.</a:t>
             </a:r>
           </a:p>
         </p:txBody>
@@ -6885,7 +6842,6 @@
                   <a:srgbClr val="333333"/>
                 </a:solidFill>
                 <a:latin typeface="Helvetica Neue"/>
-                <a:hlinkClick r:id="rId2"/>
               </a:rPr>
               <a:t>Integers</a:t>
             </a:r>
@@ -6931,18 +6887,8 @@
                   <a:srgbClr val="333333"/>
                 </a:solidFill>
                 <a:latin typeface="Helvetica Neue"/>
-                <a:hlinkClick r:id="rId3"/>
-              </a:rPr>
-              <a:t>Floating-Point numbers</a:t>
-            </a:r>
-            <a:r>
-              <a:rPr lang="en-US" dirty="0">
-                <a:solidFill>
-                  <a:srgbClr val="333333"/>
-                </a:solidFill>
-                <a:latin typeface="Helvetica Neue"/>
-              </a:rPr>
-              <a:t> - This group includes float and double, these represent the numbers with fractional precision.</a:t>
+              </a:rPr>
+              <a:t>Floating-Point numbers - This group includes float and double, these represent the numbers with fractional precision.</a:t>
             </a:r>
           </a:p>
           <a:p>
@@ -6959,18 +6905,8 @@
                   <a:srgbClr val="333333"/>
                 </a:solidFill>
                 <a:latin typeface="Helvetica Neue"/>
-                <a:hlinkClick r:id="rId4"/>
-              </a:rPr>
-              <a:t>Characters</a:t>
-            </a:r>
-            <a:r>
-              <a:rPr lang="en-US" dirty="0">
-                <a:solidFill>
-                  <a:srgbClr val="333333"/>
-                </a:solidFill>
-                <a:latin typeface="Helvetica Neue"/>
-              </a:rPr>
-              <a:t> - This group includes char, which represents the symbols in a character set, like letters and numbers.</a:t>
+              </a:rPr>
+              <a:t>Characters - This group includes char, which represents the symbols in a character set, like letters and numbers.</a:t>
             </a:r>
           </a:p>
           <a:p>
@@ -6987,18 +6923,8 @@
                   <a:srgbClr val="333333"/>
                 </a:solidFill>
                 <a:latin typeface="Helvetica Neue"/>
-                <a:hlinkClick r:id="rId5"/>
-              </a:rPr>
-              <a:t>Booleans</a:t>
-            </a:r>
-            <a:r>
-              <a:rPr lang="en-US" dirty="0">
-                <a:solidFill>
-                  <a:srgbClr val="333333"/>
-                </a:solidFill>
-                <a:latin typeface="Helvetica Neue"/>
-              </a:rPr>
-              <a:t> - This group includes </a:t>
+              </a:rPr>
+              <a:t>Booleans - This group includes </a:t>
             </a:r>
             <a:r>
               <a:rPr lang="en-US" dirty="0" err="1">
@@ -9343,6 +9269,13 @@
   <p:clrMapOvr>
     <a:masterClrMapping/>
   </p:clrMapOvr>
+  <p:timing>
+    <p:tnLst>
+      <p:par>
+        <p:cTn id="1" dur="indefinite" restart="never" nodeType="tmRoot"/>
+      </p:par>
+    </p:tnLst>
+  </p:timing>
 </p:sld>
 </file>
 
@@ -9517,16 +9450,9 @@
                   <a:srgbClr val="333333"/>
                 </a:solidFill>
                 <a:latin typeface="Helvetica Neue"/>
-                <a:hlinkClick r:id="rId2"/>
               </a:rPr>
               <a:t>C</a:t>
             </a:r>
-            <a:endParaRPr lang="en-US" dirty="0">
-              <a:solidFill>
-                <a:srgbClr val="333333"/>
-              </a:solidFill>
-              <a:latin typeface="Helvetica Neue"/>
-            </a:endParaRPr>
           </a:p>
           <a:p>
             <a:pPr>
@@ -9542,16 +9468,9 @@
                   <a:srgbClr val="333333"/>
                 </a:solidFill>
                 <a:latin typeface="Helvetica Neue"/>
-                <a:hlinkClick r:id="rId3"/>
               </a:rPr>
               <a:t>C++</a:t>
             </a:r>
-            <a:endParaRPr lang="en-US" dirty="0">
-              <a:solidFill>
-                <a:srgbClr val="333333"/>
-              </a:solidFill>
-              <a:latin typeface="Helvetica Neue"/>
-            </a:endParaRPr>
           </a:p>
           <a:p>
             <a:pPr>
@@ -9567,16 +9486,9 @@
                   <a:srgbClr val="333333"/>
                 </a:solidFill>
                 <a:latin typeface="Helvetica Neue"/>
-                <a:hlinkClick r:id="rId4"/>
               </a:rPr>
               <a:t>Java</a:t>
             </a:r>
-            <a:endParaRPr lang="en-US" dirty="0">
-              <a:solidFill>
-                <a:srgbClr val="333333"/>
-              </a:solidFill>
-              <a:latin typeface="Helvetica Neue"/>
-            </a:endParaRPr>
           </a:p>
           <a:p>
             <a:pPr>
@@ -9705,6 +9617,13 @@
   <p:clrMapOvr>
     <a:masterClrMapping/>
   </p:clrMapOvr>
+  <p:timing>
+    <p:tnLst>
+      <p:par>
+        <p:cTn id="1" dur="indefinite" restart="never" nodeType="tmRoot"/>
+      </p:par>
+    </p:tnLst>
+  </p:timing>
 </p:sld>
 </file>
 
@@ -9759,6 +9678,13 @@
   <p:clrMapOvr>
     <a:masterClrMapping/>
   </p:clrMapOvr>
+  <p:timing>
+    <p:tnLst>
+      <p:par>
+        <p:cTn id="1" dur="indefinite" restart="never" nodeType="tmRoot"/>
+      </p:par>
+    </p:tnLst>
+  </p:timing>
 </p:sld>
 </file>
 
@@ -10030,6 +9956,13 @@
   <p:clrMapOvr>
     <a:masterClrMapping/>
   </p:clrMapOvr>
+  <p:timing>
+    <p:tnLst>
+      <p:par>
+        <p:cTn id="1" dur="indefinite" restart="never" nodeType="tmRoot"/>
+      </p:par>
+    </p:tnLst>
+  </p:timing>
 </p:sld>
 </file>
 
@@ -10084,6 +10017,13 @@
   <p:clrMapOvr>
     <a:masterClrMapping/>
   </p:clrMapOvr>
+  <p:timing>
+    <p:tnLst>
+      <p:par>
+        <p:cTn id="1" dur="indefinite" restart="never" nodeType="tmRoot"/>
+      </p:par>
+    </p:tnLst>
+  </p:timing>
 </p:sld>
 </file>
 
@@ -10138,6 +10078,13 @@
   <p:clrMapOvr>
     <a:masterClrMapping/>
   </p:clrMapOvr>
+  <p:timing>
+    <p:tnLst>
+      <p:par>
+        <p:cTn id="1" dur="indefinite" restart="never" nodeType="tmRoot"/>
+      </p:par>
+    </p:tnLst>
+  </p:timing>
 </p:sld>
 </file>
 
@@ -10192,6 +10139,13 @@
   <p:clrMapOvr>
     <a:masterClrMapping/>
   </p:clrMapOvr>
+  <p:timing>
+    <p:tnLst>
+      <p:par>
+        <p:cTn id="1" dur="indefinite" restart="never" nodeType="tmRoot"/>
+      </p:par>
+    </p:tnLst>
+  </p:timing>
 </p:sld>
 </file>
 
@@ -10246,6 +10200,13 @@
   <p:clrMapOvr>
     <a:masterClrMapping/>
   </p:clrMapOvr>
+  <p:timing>
+    <p:tnLst>
+      <p:par>
+        <p:cTn id="1" dur="indefinite" restart="never" nodeType="tmRoot"/>
+      </p:par>
+    </p:tnLst>
+  </p:timing>
 </p:sld>
 </file>
 
@@ -10300,6 +10261,13 @@
   <p:clrMapOvr>
     <a:masterClrMapping/>
   </p:clrMapOvr>
+  <p:timing>
+    <p:tnLst>
+      <p:par>
+        <p:cTn id="1" dur="indefinite" restart="never" nodeType="tmRoot"/>
+      </p:par>
+    </p:tnLst>
+  </p:timing>
 </p:sld>
 </file>
 
@@ -10354,6 +10322,13 @@
   <p:clrMapOvr>
     <a:masterClrMapping/>
   </p:clrMapOvr>
+  <p:timing>
+    <p:tnLst>
+      <p:par>
+        <p:cTn id="1" dur="indefinite" restart="never" nodeType="tmRoot"/>
+      </p:par>
+    </p:tnLst>
+  </p:timing>
 </p:sld>
 </file>
 
@@ -10593,18 +10568,8 @@
                   <a:srgbClr val="333333"/>
                 </a:solidFill>
                 <a:latin typeface="Helvetica Neue"/>
-                <a:hlinkClick r:id="rId2"/>
-              </a:rPr>
-              <a:t>C language</a:t>
-            </a:r>
-            <a:r>
-              <a:rPr lang="en-US" dirty="0">
-                <a:solidFill>
-                  <a:srgbClr val="333333"/>
-                </a:solidFill>
-                <a:latin typeface="Helvetica Neue"/>
-              </a:rPr>
-              <a:t> - Dennis Ritchie and Brian </a:t>
+              </a:rPr>
+              <a:t>C language - Dennis Ritchie and Brian </a:t>
             </a:r>
             <a:r>
               <a:rPr lang="en-US" dirty="0" err="1">
@@ -10722,6 +10687,13 @@
   <p:clrMapOvr>
     <a:masterClrMapping/>
   </p:clrMapOvr>
+  <p:timing>
+    <p:tnLst>
+      <p:par>
+        <p:cTn id="1" dur="indefinite" restart="never" nodeType="tmRoot"/>
+      </p:par>
+    </p:tnLst>
+  </p:timing>
 </p:sld>
 </file>
 
@@ -10776,6 +10748,13 @@
   <p:clrMapOvr>
     <a:masterClrMapping/>
   </p:clrMapOvr>
+  <p:timing>
+    <p:tnLst>
+      <p:par>
+        <p:cTn id="1" dur="indefinite" restart="never" nodeType="tmRoot"/>
+      </p:par>
+    </p:tnLst>
+  </p:timing>
 </p:sld>
 </file>
 
@@ -10830,6 +10809,13 @@
   <p:clrMapOvr>
     <a:masterClrMapping/>
   </p:clrMapOvr>
+  <p:timing>
+    <p:tnLst>
+      <p:par>
+        <p:cTn id="1" dur="indefinite" restart="never" nodeType="tmRoot"/>
+      </p:par>
+    </p:tnLst>
+  </p:timing>
 </p:sld>
 </file>
 
@@ -10884,6 +10870,13 @@
   <p:clrMapOvr>
     <a:masterClrMapping/>
   </p:clrMapOvr>
+  <p:timing>
+    <p:tnLst>
+      <p:par>
+        <p:cTn id="1" dur="indefinite" restart="never" nodeType="tmRoot"/>
+      </p:par>
+    </p:tnLst>
+  </p:timing>
 </p:sld>
 </file>
 
@@ -11007,7 +11000,6 @@
                 </a:solidFill>
                 <a:effectLst/>
                 <a:latin typeface="Helvetica Neue"/>
-                <a:hlinkClick r:id="rId2"/>
               </a:rPr>
               <a:t>SQL</a:t>
             </a:r>
@@ -11028,7 +11020,6 @@
                 </a:solidFill>
                 <a:effectLst/>
                 <a:latin typeface="Helvetica Neue"/>
-                <a:hlinkClick r:id="rId3"/>
               </a:rPr>
               <a:t>create tables</a:t>
             </a:r>
@@ -11049,7 +11040,6 @@
                 </a:solidFill>
                 <a:effectLst/>
                 <a:latin typeface="Helvetica Neue"/>
-                <a:hlinkClick r:id="rId4"/>
               </a:rPr>
               <a:t>add data</a:t>
             </a:r>
@@ -11070,7 +11060,6 @@
                 </a:solidFill>
                 <a:effectLst/>
                 <a:latin typeface="Helvetica Neue"/>
-                <a:hlinkClick r:id="rId5"/>
               </a:rPr>
               <a:t>delete data</a:t>
             </a:r>
@@ -11091,7 +11080,6 @@
                 </a:solidFill>
                 <a:effectLst/>
                 <a:latin typeface="Helvetica Neue"/>
-                <a:hlinkClick r:id="rId6"/>
               </a:rPr>
               <a:t>update data</a:t>
             </a:r>
